--- a/Graduaatsproef-Ghysens-Jari.pptx
+++ b/Graduaatsproef-Ghysens-Jari.pptx
@@ -5,10 +5,10 @@
     <p:sldMasterId id="2147483666" r:id="rId4"/>
   </p:sldMasterIdLst>
   <p:notesMasterIdLst>
-    <p:notesMasterId r:id="rId17"/>
+    <p:notesMasterId r:id="rId18"/>
   </p:notesMasterIdLst>
   <p:handoutMasterIdLst>
-    <p:handoutMasterId r:id="rId18"/>
+    <p:handoutMasterId r:id="rId19"/>
   </p:handoutMasterIdLst>
   <p:sldIdLst>
     <p:sldId id="256" r:id="rId5"/>
@@ -17,12 +17,13 @@
     <p:sldId id="300" r:id="rId8"/>
     <p:sldId id="262" r:id="rId9"/>
     <p:sldId id="276" r:id="rId10"/>
-    <p:sldId id="289" r:id="rId11"/>
-    <p:sldId id="278" r:id="rId12"/>
-    <p:sldId id="301" r:id="rId13"/>
-    <p:sldId id="303" r:id="rId14"/>
-    <p:sldId id="297" r:id="rId15"/>
-    <p:sldId id="295" r:id="rId16"/>
+    <p:sldId id="305" r:id="rId11"/>
+    <p:sldId id="289" r:id="rId12"/>
+    <p:sldId id="278" r:id="rId13"/>
+    <p:sldId id="301" r:id="rId14"/>
+    <p:sldId id="303" r:id="rId15"/>
+    <p:sldId id="297" r:id="rId16"/>
+    <p:sldId id="295" r:id="rId17"/>
   </p:sldIdLst>
   <p:sldSz cx="12192000" cy="6858000"/>
   <p:notesSz cx="6858000" cy="9144000"/>
@@ -251,7 +252,7 @@
             <a:pPr rtl="0"/>
             <a:fld id="{6BC4ED84-6EAE-4BB9-A239-A4541838CFBF}" type="datetime1">
               <a:rPr lang="fr-FR" smtClean="0"/>
-              <a:t>24/01/2024</a:t>
+              <a:t>25/01/2024</a:t>
             </a:fld>
             <a:endParaRPr lang="fr-FR"/>
           </a:p>
@@ -433,7 +434,7 @@
             <a:fld id="{30AA49DA-9B4C-4C11-AFC5-1C9CC1D3D925}" type="datetime1">
               <a:rPr lang="fr-FR" smtClean="0"/>
               <a:pPr/>
-              <a:t>24/01/2024</a:t>
+              <a:t>25/01/2024</a:t>
             </a:fld>
             <a:endParaRPr lang="fr-FR" dirty="0"/>
           </a:p>
@@ -855,7 +856,7 @@
             <a:pPr rtl="0"/>
             <a:fld id="{D4B9A9E5-4F7F-4A7D-9DE1-899232329269}" type="slidenum">
               <a:rPr lang="fr-FR" smtClean="0"/>
-              <a:t>10</a:t>
+              <a:t>11</a:t>
             </a:fld>
             <a:endParaRPr lang="fr-FR"/>
           </a:p>
@@ -940,7 +941,7 @@
             <a:pPr rtl="0"/>
             <a:fld id="{D4B9A9E5-4F7F-4A7D-9DE1-899232329269}" type="slidenum">
               <a:rPr lang="fr-FR" noProof="0" smtClean="0"/>
-              <a:t>11</a:t>
+              <a:t>12</a:t>
             </a:fld>
             <a:endParaRPr lang="fr-FR" noProof="0"/>
           </a:p>
@@ -1025,7 +1026,7 @@
             <a:pPr rtl="0"/>
             <a:fld id="{D4B9A9E5-4F7F-4A7D-9DE1-899232329269}" type="slidenum">
               <a:rPr lang="fr-FR" noProof="0" smtClean="0"/>
-              <a:t>12</a:t>
+              <a:t>13</a:t>
             </a:fld>
             <a:endParaRPr lang="fr-FR" noProof="0"/>
           </a:p>
@@ -1536,7 +1537,7 @@
             <a:pPr rtl="0"/>
             <a:fld id="{D4B9A9E5-4F7F-4A7D-9DE1-899232329269}" type="slidenum">
               <a:rPr lang="fr-FR" smtClean="0"/>
-              <a:t>7</a:t>
+              <a:t>8</a:t>
             </a:fld>
             <a:endParaRPr lang="fr-FR"/>
           </a:p>
@@ -1621,7 +1622,7 @@
             <a:pPr rtl="0"/>
             <a:fld id="{D4B9A9E5-4F7F-4A7D-9DE1-899232329269}" type="slidenum">
               <a:rPr lang="fr-FR" smtClean="0"/>
-              <a:t>8</a:t>
+              <a:t>9</a:t>
             </a:fld>
             <a:endParaRPr lang="fr-FR"/>
           </a:p>
@@ -1706,7 +1707,7 @@
             <a:pPr rtl="0"/>
             <a:fld id="{D4B9A9E5-4F7F-4A7D-9DE1-899232329269}" type="slidenum">
               <a:rPr lang="fr-FR" smtClean="0"/>
-              <a:t>9</a:t>
+              <a:t>10</a:t>
             </a:fld>
             <a:endParaRPr lang="fr-FR"/>
           </a:p>
@@ -16783,7 +16784,7 @@
           <p:cNvPr id="2" name="Titre 1">
             <a:extLst>
               <a:ext uri="{FF2B5EF4-FFF2-40B4-BE49-F238E27FC236}">
-                <a16:creationId xmlns:a16="http://schemas.microsoft.com/office/drawing/2014/main" id="{8A4E0A63-A388-49B1-A04E-27CE9BD622EF}"/>
+                <a16:creationId xmlns:a16="http://schemas.microsoft.com/office/drawing/2014/main" id="{75031FE9-9059-4FE8-B4AC-9771F23A1B89}"/>
               </a:ext>
             </a:extLst>
           </p:cNvPr>
@@ -16796,8 +16797,8 @@
         </p:nvSpPr>
         <p:spPr>
           <a:xfrm>
-            <a:off x="5921828" y="868099"/>
-            <a:ext cx="5431971" cy="846301"/>
+            <a:off x="1508760" y="4156405"/>
+            <a:ext cx="3139440" cy="1325563"/>
           </a:xfrm>
         </p:spPr>
         <p:txBody>
@@ -16807,26 +16808,198 @@
             <a:pPr rtl="0"/>
             <a:r>
               <a:rPr lang="fr-FR" dirty="0" err="1"/>
+              <a:t>Moeilijkheden</a:t>
+            </a:r>
+            <a:endParaRPr lang="fr-FR" dirty="0"/>
+          </a:p>
+        </p:txBody>
+      </p:sp>
+      <p:sp>
+        <p:nvSpPr>
+          <p:cNvPr id="3" name="Espace réservé du contenu 2">
+            <a:extLst>
+              <a:ext uri="{FF2B5EF4-FFF2-40B4-BE49-F238E27FC236}">
+                <a16:creationId xmlns:a16="http://schemas.microsoft.com/office/drawing/2014/main" id="{D4A2EB3F-4D60-451F-8F45-7D6654D2FCD9}"/>
+              </a:ext>
+            </a:extLst>
+          </p:cNvPr>
+          <p:cNvSpPr>
+            <a:spLocks noGrp="1"/>
+          </p:cNvSpPr>
+          <p:nvPr>
+            <p:ph type="body" sz="quarter" idx="13"/>
+          </p:nvPr>
+        </p:nvSpPr>
+        <p:spPr>
+          <a:xfrm>
+            <a:off x="5919680" y="1650708"/>
+            <a:ext cx="5433204" cy="365125"/>
+          </a:xfrm>
+        </p:spPr>
+        <p:txBody>
+          <a:bodyPr vert="horz" lIns="91440" tIns="45720" rIns="91440" bIns="45720" rtlCol="0" anchor="t">
+            <a:normAutofit lnSpcReduction="10000"/>
+          </a:bodyPr>
+          <a:lstStyle/>
+          <a:p>
+            <a:pPr rtl="0"/>
+            <a:r>
+              <a:rPr lang="fr-FR" dirty="0" err="1"/>
+              <a:t>Uitlijning</a:t>
+            </a:r>
+            <a:r>
+              <a:rPr lang="fr-FR" dirty="0"/>
+              <a:t> van code </a:t>
+            </a:r>
+          </a:p>
+        </p:txBody>
+      </p:sp>
+      <p:sp>
+        <p:nvSpPr>
+          <p:cNvPr id="4" name="Espace réservé du texte 3">
+            <a:extLst>
+              <a:ext uri="{FF2B5EF4-FFF2-40B4-BE49-F238E27FC236}">
+                <a16:creationId xmlns:a16="http://schemas.microsoft.com/office/drawing/2014/main" id="{AC1C80FB-53F9-42EE-B1E6-D0F998EC5DFA}"/>
+              </a:ext>
+            </a:extLst>
+          </p:cNvPr>
+          <p:cNvSpPr>
+            <a:spLocks noGrp="1"/>
+          </p:cNvSpPr>
+          <p:nvPr>
+            <p:ph type="body" sz="quarter" idx="15"/>
+          </p:nvPr>
+        </p:nvSpPr>
+        <p:spPr>
+          <a:xfrm>
+            <a:off x="5919254" y="1980133"/>
+            <a:ext cx="5431971" cy="557950"/>
+          </a:xfrm>
+        </p:spPr>
+        <p:txBody>
+          <a:bodyPr rtlCol="0">
+            <a:normAutofit/>
+          </a:bodyPr>
+          <a:lstStyle/>
+          <a:p>
+            <a:pPr rtl="0"/>
+            <a:r>
+              <a:rPr lang="fr-FR" dirty="0"/>
+              <a:t>Tab en </a:t>
+            </a:r>
+            <a:r>
+              <a:rPr lang="fr-FR" dirty="0" err="1"/>
+              <a:t>spaties</a:t>
+            </a:r>
+            <a:endParaRPr lang="fr-FR" dirty="0"/>
+          </a:p>
+        </p:txBody>
+      </p:sp>
+      <p:sp>
+        <p:nvSpPr>
+          <p:cNvPr id="5" name="Espace réservé du texte 4">
+            <a:extLst>
+              <a:ext uri="{FF2B5EF4-FFF2-40B4-BE49-F238E27FC236}">
+                <a16:creationId xmlns:a16="http://schemas.microsoft.com/office/drawing/2014/main" id="{E81BA2B5-6A90-4204-ABDD-7183FBB03A02}"/>
+              </a:ext>
+            </a:extLst>
+          </p:cNvPr>
+          <p:cNvSpPr>
+            <a:spLocks noGrp="1"/>
+          </p:cNvSpPr>
+          <p:nvPr>
+            <p:ph type="body" sz="quarter" idx="23"/>
+          </p:nvPr>
+        </p:nvSpPr>
+        <p:spPr>
+          <a:xfrm>
+            <a:off x="5919680" y="2750504"/>
+            <a:ext cx="5433204" cy="365125"/>
+          </a:xfrm>
+        </p:spPr>
+        <p:txBody>
+          <a:bodyPr rtlCol="0">
+            <a:normAutofit lnSpcReduction="10000"/>
+          </a:bodyPr>
+          <a:lstStyle/>
+          <a:p>
+            <a:pPr rtl="0"/>
+            <a:r>
+              <a:rPr lang="fr-FR" b="1" dirty="0" err="1"/>
               <a:t>Stijlen</a:t>
             </a:r>
             <a:r>
-              <a:rPr lang="fr-FR" dirty="0"/>
+              <a:rPr lang="fr-FR" b="1" dirty="0"/>
               <a:t> van de </a:t>
             </a:r>
             <a:r>
-              <a:rPr lang="fr-FR" dirty="0" err="1"/>
+              <a:rPr lang="fr-FR" b="1" dirty="0" err="1"/>
               <a:t>vensters</a:t>
             </a:r>
-            <a:endParaRPr lang="fr-FR" dirty="0"/>
-          </a:p>
-        </p:txBody>
-      </p:sp>
-      <p:sp>
-        <p:nvSpPr>
-          <p:cNvPr id="32" name="Espace réservé de la date 31">
-            <a:extLst>
-              <a:ext uri="{FF2B5EF4-FFF2-40B4-BE49-F238E27FC236}">
-                <a16:creationId xmlns:a16="http://schemas.microsoft.com/office/drawing/2014/main" id="{D5DB19F8-B538-4965-BA90-ED372B99F5DC}"/>
+            <a:endParaRPr lang="fr-FR" b="1" dirty="0"/>
+          </a:p>
+        </p:txBody>
+      </p:sp>
+      <p:sp>
+        <p:nvSpPr>
+          <p:cNvPr id="6" name="Espace réservé du texte 5">
+            <a:extLst>
+              <a:ext uri="{FF2B5EF4-FFF2-40B4-BE49-F238E27FC236}">
+                <a16:creationId xmlns:a16="http://schemas.microsoft.com/office/drawing/2014/main" id="{7E7D4C34-22A0-4D54-A07D-E1E9A11463E5}"/>
+              </a:ext>
+            </a:extLst>
+          </p:cNvPr>
+          <p:cNvSpPr>
+            <a:spLocks noGrp="1"/>
+          </p:cNvSpPr>
+          <p:nvPr>
+            <p:ph type="body" sz="quarter" idx="24"/>
+          </p:nvPr>
+        </p:nvSpPr>
+        <p:spPr>
+          <a:xfrm>
+            <a:off x="5919254" y="3079929"/>
+            <a:ext cx="5431971" cy="557950"/>
+          </a:xfrm>
+        </p:spPr>
+        <p:txBody>
+          <a:bodyPr rtlCol="0"/>
+          <a:lstStyle/>
+          <a:p>
+            <a:pPr rtl="0"/>
+            <a:r>
+              <a:rPr lang="fr-FR" b="1" dirty="0" err="1"/>
+              <a:t>Veel</a:t>
+            </a:r>
+            <a:r>
+              <a:rPr lang="fr-FR" b="1" dirty="0"/>
+              <a:t> code, </a:t>
+            </a:r>
+            <a:r>
+              <a:rPr lang="fr-FR" b="1" dirty="0" err="1"/>
+              <a:t>weinig</a:t>
+            </a:r>
+            <a:r>
+              <a:rPr lang="fr-FR" b="1" dirty="0"/>
+              <a:t> </a:t>
+            </a:r>
+            <a:r>
+              <a:rPr lang="fr-FR" b="1" dirty="0" err="1"/>
+              <a:t>verandering</a:t>
+            </a:r>
+            <a:r>
+              <a:rPr lang="fr-FR" b="1" dirty="0"/>
+              <a:t> </a:t>
+            </a:r>
+          </a:p>
+        </p:txBody>
+      </p:sp>
+      <p:sp>
+        <p:nvSpPr>
+          <p:cNvPr id="20" name="Espace réservé de la date 19">
+            <a:extLst>
+              <a:ext uri="{FF2B5EF4-FFF2-40B4-BE49-F238E27FC236}">
+                <a16:creationId xmlns:a16="http://schemas.microsoft.com/office/drawing/2014/main" id="{A74D661B-510C-4CF2-BF77-3EAFB649883D}"/>
               </a:ext>
             </a:extLst>
           </p:cNvPr>
@@ -16857,10 +17030,10 @@
       </p:sp>
       <p:sp>
         <p:nvSpPr>
-          <p:cNvPr id="3" name="Espace réservé du pied de page 2">
-            <a:extLst>
-              <a:ext uri="{FF2B5EF4-FFF2-40B4-BE49-F238E27FC236}">
-                <a16:creationId xmlns:a16="http://schemas.microsoft.com/office/drawing/2014/main" id="{005C44B1-BA82-483C-BD91-F89067442F9E}"/>
+          <p:cNvPr id="21" name="Espace réservé du pied de page 20">
+            <a:extLst>
+              <a:ext uri="{FF2B5EF4-FFF2-40B4-BE49-F238E27FC236}">
+                <a16:creationId xmlns:a16="http://schemas.microsoft.com/office/drawing/2014/main" id="{7E44CAC0-3B5A-49F6-A2CB-0BC80D111A87}"/>
               </a:ext>
             </a:extLst>
           </p:cNvPr>
@@ -16884,25 +17057,17 @@
             <a:pPr rtl="0"/>
             <a:r>
               <a:rPr lang="fr-FR" noProof="0" dirty="0"/>
-              <a:t>Checkers  - </a:t>
-            </a:r>
-            <a:r>
-              <a:rPr lang="fr-FR" noProof="0" dirty="0" err="1"/>
-              <a:t>Ghsyens</a:t>
-            </a:r>
-            <a:r>
-              <a:rPr lang="fr-FR" noProof="0" dirty="0"/>
-              <a:t> Jari</a:t>
-            </a:r>
-          </a:p>
-        </p:txBody>
-      </p:sp>
-      <p:sp>
-        <p:nvSpPr>
-          <p:cNvPr id="4" name="Espace réservé du numéro de diapositive 3">
-            <a:extLst>
-              <a:ext uri="{FF2B5EF4-FFF2-40B4-BE49-F238E27FC236}">
-                <a16:creationId xmlns:a16="http://schemas.microsoft.com/office/drawing/2014/main" id="{79ED4A67-3A46-4F54-A12A-EAE1B53E6457}"/>
+              <a:t>Checkers  - Ghysens Jari</a:t>
+            </a:r>
+          </a:p>
+        </p:txBody>
+      </p:sp>
+      <p:sp>
+        <p:nvSpPr>
+          <p:cNvPr id="22" name="Espace réservé du numéro de diapositive 21">
+            <a:extLst>
+              <a:ext uri="{FF2B5EF4-FFF2-40B4-BE49-F238E27FC236}">
+                <a16:creationId xmlns:a16="http://schemas.microsoft.com/office/drawing/2014/main" id="{5D1BD041-3428-4D62-934F-F3FF6D36F90F}"/>
               </a:ext>
             </a:extLst>
           </p:cNvPr>
@@ -16924,79 +17089,19 @@
           <a:lstStyle/>
           <a:p>
             <a:pPr rtl="0"/>
-            <a:fld id="{19B51A1E-902D-48AF-9020-955120F399B6}" type="slidenum">
+            <a:fld id="{B5CEABB6-07DC-46E8-9B57-56EC44A396E5}" type="slidenum">
               <a:rPr lang="fr-FR" smtClean="0"/>
               <a:pPr rtl="0"/>
               <a:t>10</a:t>
             </a:fld>
-            <a:endParaRPr lang="fr-FR" dirty="0"/>
-          </a:p>
-        </p:txBody>
-      </p:sp>
-      <p:pic>
-        <p:nvPicPr>
-          <p:cNvPr id="6" name="Afbeelding 5">
-            <a:extLst>
-              <a:ext uri="{FF2B5EF4-FFF2-40B4-BE49-F238E27FC236}">
-                <a16:creationId xmlns:a16="http://schemas.microsoft.com/office/drawing/2014/main" id="{FA964797-9977-E096-BE0D-6F8E92280C28}"/>
-              </a:ext>
-            </a:extLst>
-          </p:cNvPr>
-          <p:cNvPicPr>
-            <a:picLocks noChangeAspect="1"/>
-          </p:cNvPicPr>
-          <p:nvPr/>
-        </p:nvPicPr>
-        <p:blipFill>
-          <a:blip r:embed="rId3"/>
-          <a:stretch>
-            <a:fillRect/>
-          </a:stretch>
-        </p:blipFill>
-        <p:spPr>
-          <a:xfrm>
-            <a:off x="4143579" y="2168287"/>
-            <a:ext cx="6557077" cy="905986"/>
-          </a:xfrm>
-          <a:prstGeom prst="rect">
-            <a:avLst/>
-          </a:prstGeom>
-        </p:spPr>
-      </p:pic>
-      <p:pic>
-        <p:nvPicPr>
-          <p:cNvPr id="7" name="Afbeelding 6">
-            <a:extLst>
-              <a:ext uri="{FF2B5EF4-FFF2-40B4-BE49-F238E27FC236}">
-                <a16:creationId xmlns:a16="http://schemas.microsoft.com/office/drawing/2014/main" id="{1DB89CA3-5E9D-2CC6-BDA7-69DC15C3D150}"/>
-              </a:ext>
-            </a:extLst>
-          </p:cNvPr>
-          <p:cNvPicPr>
-            <a:picLocks noChangeAspect="1"/>
-          </p:cNvPicPr>
-          <p:nvPr/>
-        </p:nvPicPr>
-        <p:blipFill>
-          <a:blip r:embed="rId4"/>
-          <a:stretch>
-            <a:fillRect/>
-          </a:stretch>
-        </p:blipFill>
-        <p:spPr>
-          <a:xfrm>
-            <a:off x="4143579" y="3349479"/>
-            <a:ext cx="2600688" cy="685896"/>
-          </a:xfrm>
-          <a:prstGeom prst="rect">
-            <a:avLst/>
-          </a:prstGeom>
-        </p:spPr>
-      </p:pic>
+            <a:endParaRPr lang="fr-FR"/>
+          </a:p>
+        </p:txBody>
+      </p:sp>
     </p:spTree>
     <p:extLst>
       <p:ext uri="{BB962C8B-B14F-4D97-AF65-F5344CB8AC3E}">
-        <p14:creationId xmlns:p14="http://schemas.microsoft.com/office/powerpoint/2010/main" val="1421307477"/>
+        <p14:creationId xmlns:p14="http://schemas.microsoft.com/office/powerpoint/2010/main" val="1121327810"/>
       </p:ext>
     </p:extLst>
   </p:cSld>
@@ -17025,6 +17130,243 @@
       </p:grpSpPr>
       <p:sp>
         <p:nvSpPr>
+          <p:cNvPr id="2" name="Titre 1">
+            <a:extLst>
+              <a:ext uri="{FF2B5EF4-FFF2-40B4-BE49-F238E27FC236}">
+                <a16:creationId xmlns:a16="http://schemas.microsoft.com/office/drawing/2014/main" id="{8A4E0A63-A388-49B1-A04E-27CE9BD622EF}"/>
+              </a:ext>
+            </a:extLst>
+          </p:cNvPr>
+          <p:cNvSpPr>
+            <a:spLocks noGrp="1"/>
+          </p:cNvSpPr>
+          <p:nvPr>
+            <p:ph type="title"/>
+          </p:nvPr>
+        </p:nvSpPr>
+        <p:spPr>
+          <a:xfrm>
+            <a:off x="5921828" y="868099"/>
+            <a:ext cx="5431971" cy="846301"/>
+          </a:xfrm>
+        </p:spPr>
+        <p:txBody>
+          <a:bodyPr rtlCol="0"/>
+          <a:lstStyle/>
+          <a:p>
+            <a:pPr rtl="0"/>
+            <a:r>
+              <a:rPr lang="fr-FR" dirty="0" err="1"/>
+              <a:t>Stijlen</a:t>
+            </a:r>
+            <a:r>
+              <a:rPr lang="fr-FR" dirty="0"/>
+              <a:t> van de </a:t>
+            </a:r>
+            <a:r>
+              <a:rPr lang="fr-FR" dirty="0" err="1"/>
+              <a:t>vensters</a:t>
+            </a:r>
+            <a:endParaRPr lang="fr-FR" dirty="0"/>
+          </a:p>
+        </p:txBody>
+      </p:sp>
+      <p:sp>
+        <p:nvSpPr>
+          <p:cNvPr id="32" name="Espace réservé de la date 31">
+            <a:extLst>
+              <a:ext uri="{FF2B5EF4-FFF2-40B4-BE49-F238E27FC236}">
+                <a16:creationId xmlns:a16="http://schemas.microsoft.com/office/drawing/2014/main" id="{D5DB19F8-B538-4965-BA90-ED372B99F5DC}"/>
+              </a:ext>
+            </a:extLst>
+          </p:cNvPr>
+          <p:cNvSpPr>
+            <a:spLocks noGrp="1"/>
+          </p:cNvSpPr>
+          <p:nvPr>
+            <p:ph type="dt" sz="half" idx="20"/>
+          </p:nvPr>
+        </p:nvSpPr>
+        <p:spPr>
+          <a:xfrm>
+            <a:off x="5919680" y="6356350"/>
+            <a:ext cx="947516" cy="365125"/>
+          </a:xfrm>
+        </p:spPr>
+        <p:txBody>
+          <a:bodyPr rtlCol="0"/>
+          <a:lstStyle/>
+          <a:p>
+            <a:pPr rtl="0"/>
+            <a:r>
+              <a:rPr lang="fr-FR" dirty="0"/>
+              <a:t>2024</a:t>
+            </a:r>
+          </a:p>
+        </p:txBody>
+      </p:sp>
+      <p:sp>
+        <p:nvSpPr>
+          <p:cNvPr id="3" name="Espace réservé du pied de page 2">
+            <a:extLst>
+              <a:ext uri="{FF2B5EF4-FFF2-40B4-BE49-F238E27FC236}">
+                <a16:creationId xmlns:a16="http://schemas.microsoft.com/office/drawing/2014/main" id="{005C44B1-BA82-483C-BD91-F89067442F9E}"/>
+              </a:ext>
+            </a:extLst>
+          </p:cNvPr>
+          <p:cNvSpPr>
+            <a:spLocks noGrp="1"/>
+          </p:cNvSpPr>
+          <p:nvPr>
+            <p:ph type="ftr" sz="quarter" idx="21"/>
+          </p:nvPr>
+        </p:nvSpPr>
+        <p:spPr>
+          <a:xfrm>
+            <a:off x="7161955" y="6356350"/>
+            <a:ext cx="3243942" cy="365125"/>
+          </a:xfrm>
+        </p:spPr>
+        <p:txBody>
+          <a:bodyPr rtlCol="0"/>
+          <a:lstStyle/>
+          <a:p>
+            <a:pPr rtl="0"/>
+            <a:r>
+              <a:rPr lang="fr-FR" noProof="0" dirty="0"/>
+              <a:t>Checkers  - Ghysens Jari</a:t>
+            </a:r>
+          </a:p>
+        </p:txBody>
+      </p:sp>
+      <p:sp>
+        <p:nvSpPr>
+          <p:cNvPr id="4" name="Espace réservé du numéro de diapositive 3">
+            <a:extLst>
+              <a:ext uri="{FF2B5EF4-FFF2-40B4-BE49-F238E27FC236}">
+                <a16:creationId xmlns:a16="http://schemas.microsoft.com/office/drawing/2014/main" id="{79ED4A67-3A46-4F54-A12A-EAE1B53E6457}"/>
+              </a:ext>
+            </a:extLst>
+          </p:cNvPr>
+          <p:cNvSpPr>
+            <a:spLocks noGrp="1"/>
+          </p:cNvSpPr>
+          <p:nvPr>
+            <p:ph type="sldNum" sz="quarter" idx="22"/>
+          </p:nvPr>
+        </p:nvSpPr>
+        <p:spPr>
+          <a:xfrm>
+            <a:off x="10700656" y="6356350"/>
+            <a:ext cx="653143" cy="365125"/>
+          </a:xfrm>
+        </p:spPr>
+        <p:txBody>
+          <a:bodyPr rtlCol="0"/>
+          <a:lstStyle/>
+          <a:p>
+            <a:pPr rtl="0"/>
+            <a:fld id="{19B51A1E-902D-48AF-9020-955120F399B6}" type="slidenum">
+              <a:rPr lang="fr-FR" smtClean="0"/>
+              <a:pPr rtl="0"/>
+              <a:t>11</a:t>
+            </a:fld>
+            <a:endParaRPr lang="fr-FR" dirty="0"/>
+          </a:p>
+        </p:txBody>
+      </p:sp>
+      <p:pic>
+        <p:nvPicPr>
+          <p:cNvPr id="6" name="Afbeelding 5">
+            <a:extLst>
+              <a:ext uri="{FF2B5EF4-FFF2-40B4-BE49-F238E27FC236}">
+                <a16:creationId xmlns:a16="http://schemas.microsoft.com/office/drawing/2014/main" id="{FA964797-9977-E096-BE0D-6F8E92280C28}"/>
+              </a:ext>
+            </a:extLst>
+          </p:cNvPr>
+          <p:cNvPicPr>
+            <a:picLocks noChangeAspect="1"/>
+          </p:cNvPicPr>
+          <p:nvPr/>
+        </p:nvPicPr>
+        <p:blipFill>
+          <a:blip r:embed="rId3"/>
+          <a:stretch>
+            <a:fillRect/>
+          </a:stretch>
+        </p:blipFill>
+        <p:spPr>
+          <a:xfrm>
+            <a:off x="4143579" y="2168287"/>
+            <a:ext cx="6557077" cy="905986"/>
+          </a:xfrm>
+          <a:prstGeom prst="rect">
+            <a:avLst/>
+          </a:prstGeom>
+        </p:spPr>
+      </p:pic>
+      <p:pic>
+        <p:nvPicPr>
+          <p:cNvPr id="7" name="Afbeelding 6">
+            <a:extLst>
+              <a:ext uri="{FF2B5EF4-FFF2-40B4-BE49-F238E27FC236}">
+                <a16:creationId xmlns:a16="http://schemas.microsoft.com/office/drawing/2014/main" id="{1DB89CA3-5E9D-2CC6-BDA7-69DC15C3D150}"/>
+              </a:ext>
+            </a:extLst>
+          </p:cNvPr>
+          <p:cNvPicPr>
+            <a:picLocks noChangeAspect="1"/>
+          </p:cNvPicPr>
+          <p:nvPr/>
+        </p:nvPicPr>
+        <p:blipFill>
+          <a:blip r:embed="rId4"/>
+          <a:stretch>
+            <a:fillRect/>
+          </a:stretch>
+        </p:blipFill>
+        <p:spPr>
+          <a:xfrm>
+            <a:off x="4143579" y="3349479"/>
+            <a:ext cx="2600688" cy="685896"/>
+          </a:xfrm>
+          <a:prstGeom prst="rect">
+            <a:avLst/>
+          </a:prstGeom>
+        </p:spPr>
+      </p:pic>
+    </p:spTree>
+    <p:extLst>
+      <p:ext uri="{BB962C8B-B14F-4D97-AF65-F5344CB8AC3E}">
+        <p14:creationId xmlns:p14="http://schemas.microsoft.com/office/powerpoint/2010/main" val="1421307477"/>
+      </p:ext>
+    </p:extLst>
+  </p:cSld>
+  <p:clrMapOvr>
+    <a:masterClrMapping/>
+  </p:clrMapOvr>
+</p:sld>
+</file>
+
+<file path=ppt/slides/slide12.xml><?xml version="1.0" encoding="utf-8"?>
+<p:sld xmlns:a="http://schemas.openxmlformats.org/drawingml/2006/main" xmlns:r="http://schemas.openxmlformats.org/officeDocument/2006/relationships" xmlns:p="http://schemas.openxmlformats.org/presentationml/2006/main">
+  <p:cSld>
+    <p:spTree>
+      <p:nvGrpSpPr>
+        <p:cNvPr id="1" name=""/>
+        <p:cNvGrpSpPr/>
+        <p:nvPr/>
+      </p:nvGrpSpPr>
+      <p:grpSpPr>
+        <a:xfrm>
+          <a:off x="0" y="0"/>
+          <a:ext cx="0" cy="0"/>
+          <a:chOff x="0" y="0"/>
+          <a:chExt cx="0" cy="0"/>
+        </a:xfrm>
+      </p:grpSpPr>
+      <p:sp>
+        <p:nvSpPr>
           <p:cNvPr id="2" name="Titel 1">
             <a:extLst>
               <a:ext uri="{FF2B5EF4-FFF2-40B4-BE49-F238E27FC236}">
@@ -17152,18 +17494,9 @@
           <a:p>
             <a:pPr rtl="0"/>
             <a:r>
-              <a:rPr lang="fr-FR" noProof="0" dirty="0" err="1"/>
-              <a:t>Fleetmanager</a:t>
-            </a:r>
-            <a:r>
               <a:rPr lang="fr-FR" noProof="0" dirty="0"/>
-              <a:t> </a:t>
-            </a:r>
-            <a:r>
-              <a:rPr lang="fr-FR" noProof="0" dirty="0" err="1"/>
-              <a:t>Allphi</a:t>
-            </a:r>
-            <a:endParaRPr lang="fr-FR" noProof="0" dirty="0"/>
+              <a:t>Checkers  - Ghysens Jari</a:t>
+            </a:r>
           </a:p>
         </p:txBody>
       </p:sp>
@@ -17192,7 +17525,7 @@
             <a:fld id="{B5CEABB6-07DC-46E8-9B57-56EC44A396E5}" type="slidenum">
               <a:rPr lang="fr-FR" noProof="0" smtClean="0"/>
               <a:pPr rtl="0"/>
-              <a:t>11</a:t>
+              <a:t>12</a:t>
             </a:fld>
             <a:endParaRPr lang="fr-FR" noProof="0"/>
           </a:p>
@@ -17241,7 +17574,7 @@
 </p:sld>
 </file>
 
-<file path=ppt/slides/slide12.xml><?xml version="1.0" encoding="utf-8"?>
+<file path=ppt/slides/slide13.xml><?xml version="1.0" encoding="utf-8"?>
 <p:sld xmlns:a="http://schemas.openxmlformats.org/drawingml/2006/main" xmlns:r="http://schemas.openxmlformats.org/officeDocument/2006/relationships" xmlns:p="http://schemas.openxmlformats.org/presentationml/2006/main">
   <p:cSld>
     <p:spTree>
@@ -17846,15 +18179,7 @@
             <a:pPr rtl="0"/>
             <a:r>
               <a:rPr lang="fr-FR" noProof="0" dirty="0"/>
-              <a:t>Checkers  - </a:t>
-            </a:r>
-            <a:r>
-              <a:rPr lang="fr-FR" noProof="0" dirty="0" err="1"/>
-              <a:t>Ghsyens</a:t>
-            </a:r>
-            <a:r>
-              <a:rPr lang="fr-FR" noProof="0" dirty="0"/>
-              <a:t> Jari</a:t>
+              <a:t>Checkers  - Ghysens Jari</a:t>
             </a:r>
           </a:p>
         </p:txBody>
@@ -18394,7 +18719,7 @@
             </a:pPr>
             <a:r>
               <a:rPr lang="nl-BE" dirty="0"/>
-              <a:t>Veelzijdig </a:t>
+              <a:t>Populair </a:t>
             </a:r>
           </a:p>
           <a:p>
@@ -18404,7 +18729,7 @@
             </a:pPr>
             <a:r>
               <a:rPr lang="nl-BE" dirty="0"/>
-              <a:t>Populair </a:t>
+              <a:t>Veelzijdig </a:t>
             </a:r>
           </a:p>
           <a:p>
@@ -18482,15 +18807,7 @@
             <a:pPr rtl="0"/>
             <a:r>
               <a:rPr lang="fr-FR" noProof="0" dirty="0"/>
-              <a:t>Checkers  - </a:t>
-            </a:r>
-            <a:r>
-              <a:rPr lang="fr-FR" noProof="0" dirty="0" err="1"/>
-              <a:t>Ghsyens</a:t>
-            </a:r>
-            <a:r>
-              <a:rPr lang="fr-FR" noProof="0" dirty="0"/>
-              <a:t> Jari</a:t>
+              <a:t>Checkers  - Ghysens Jari</a:t>
             </a:r>
           </a:p>
         </p:txBody>
@@ -18788,15 +19105,7 @@
             <a:pPr rtl="0"/>
             <a:r>
               <a:rPr lang="fr-FR" noProof="0" dirty="0"/>
-              <a:t>Checkers  - </a:t>
-            </a:r>
-            <a:r>
-              <a:rPr lang="fr-FR" noProof="0" dirty="0" err="1"/>
-              <a:t>Ghsyens</a:t>
-            </a:r>
-            <a:r>
-              <a:rPr lang="fr-FR" noProof="0" dirty="0"/>
-              <a:t> Jari</a:t>
+              <a:t>Checkers  - Ghysens Jari</a:t>
             </a:r>
           </a:p>
         </p:txBody>
@@ -19173,7 +19482,7 @@
           <a:p>
             <a:r>
               <a:rPr lang="nl-BE" dirty="0"/>
-              <a:t>Game-design </a:t>
+              <a:t>2D Game-design </a:t>
             </a:r>
           </a:p>
           <a:p>
@@ -19251,15 +19560,7 @@
             <a:pPr rtl="0"/>
             <a:r>
               <a:rPr lang="fr-FR" noProof="0" dirty="0"/>
-              <a:t>Checkers  - </a:t>
-            </a:r>
-            <a:r>
-              <a:rPr lang="fr-FR" noProof="0" dirty="0" err="1"/>
-              <a:t>Ghsyens</a:t>
-            </a:r>
-            <a:r>
-              <a:rPr lang="fr-FR" noProof="0" dirty="0"/>
-              <a:t> Jari</a:t>
+              <a:t>Checkers  - Ghysens Jari</a:t>
             </a:r>
           </a:p>
         </p:txBody>
@@ -19427,18 +19728,9 @@
           <a:p>
             <a:pPr rtl="0"/>
             <a:r>
-              <a:rPr lang="fr-FR" noProof="0" dirty="0" err="1"/>
-              <a:t>Fleetmanager</a:t>
-            </a:r>
-            <a:r>
               <a:rPr lang="fr-FR" noProof="0" dirty="0"/>
-              <a:t> </a:t>
-            </a:r>
-            <a:r>
-              <a:rPr lang="fr-FR" noProof="0" dirty="0" err="1"/>
-              <a:t>Allphi</a:t>
-            </a:r>
-            <a:endParaRPr lang="fr-FR" noProof="0" dirty="0"/>
+              <a:t>Checkers  - Ghysens Jari</a:t>
+            </a:r>
           </a:p>
         </p:txBody>
       </p:sp>
@@ -19510,727 +19802,156 @@
       </p:grpSpPr>
       <p:sp>
         <p:nvSpPr>
-          <p:cNvPr id="2" name="Titre 1">
-            <a:extLst>
-              <a:ext uri="{FF2B5EF4-FFF2-40B4-BE49-F238E27FC236}">
-                <a16:creationId xmlns:a16="http://schemas.microsoft.com/office/drawing/2014/main" id="{75031FE9-9059-4FE8-B4AC-9771F23A1B89}"/>
-              </a:ext>
-            </a:extLst>
-          </p:cNvPr>
-          <p:cNvSpPr>
-            <a:spLocks noGrp="1"/>
-          </p:cNvSpPr>
-          <p:nvPr>
-            <p:ph type="title"/>
-          </p:nvPr>
-        </p:nvSpPr>
-        <p:spPr>
-          <a:xfrm>
-            <a:off x="1508760" y="4156405"/>
-            <a:ext cx="3139440" cy="1325563"/>
-          </a:xfrm>
-        </p:spPr>
-        <p:txBody>
-          <a:bodyPr rtlCol="0"/>
+          <p:cNvPr id="4" name="Tijdelijke aanduiding voor datum 3">
+            <a:extLst>
+              <a:ext uri="{FF2B5EF4-FFF2-40B4-BE49-F238E27FC236}">
+                <a16:creationId xmlns:a16="http://schemas.microsoft.com/office/drawing/2014/main" id="{2B8B516F-A4D5-C3BB-AD74-1BED99056552}"/>
+              </a:ext>
+            </a:extLst>
+          </p:cNvPr>
+          <p:cNvSpPr>
+            <a:spLocks noGrp="1"/>
+          </p:cNvSpPr>
+          <p:nvPr>
+            <p:ph type="dt" sz="half" idx="10"/>
+          </p:nvPr>
+        </p:nvSpPr>
+        <p:spPr/>
+        <p:txBody>
+          <a:bodyPr/>
           <a:lstStyle/>
           <a:p>
             <a:pPr rtl="0"/>
             <a:r>
-              <a:rPr lang="fr-FR" dirty="0" err="1"/>
-              <a:t>Moeilijkheden</a:t>
-            </a:r>
-            <a:endParaRPr lang="fr-FR" dirty="0"/>
-          </a:p>
-        </p:txBody>
-      </p:sp>
-      <p:sp>
-        <p:nvSpPr>
-          <p:cNvPr id="3" name="Espace réservé du contenu 2">
-            <a:extLst>
-              <a:ext uri="{FF2B5EF4-FFF2-40B4-BE49-F238E27FC236}">
-                <a16:creationId xmlns:a16="http://schemas.microsoft.com/office/drawing/2014/main" id="{D4A2EB3F-4D60-451F-8F45-7D6654D2FCD9}"/>
-              </a:ext>
-            </a:extLst>
-          </p:cNvPr>
-          <p:cNvSpPr>
-            <a:spLocks noGrp="1"/>
-          </p:cNvSpPr>
-          <p:nvPr>
-            <p:ph type="body" sz="quarter" idx="13"/>
-          </p:nvPr>
-        </p:nvSpPr>
-        <p:spPr>
-          <a:xfrm>
-            <a:off x="5919680" y="1650708"/>
-            <a:ext cx="5433204" cy="365125"/>
-          </a:xfrm>
-        </p:spPr>
-        <p:txBody>
-          <a:bodyPr vert="horz" lIns="91440" tIns="45720" rIns="91440" bIns="45720" rtlCol="0" anchor="t">
-            <a:normAutofit lnSpcReduction="10000"/>
-          </a:bodyPr>
+              <a:rPr lang="fr-FR" noProof="0" dirty="0"/>
+              <a:t>2024</a:t>
+            </a:r>
+          </a:p>
+        </p:txBody>
+      </p:sp>
+      <p:sp>
+        <p:nvSpPr>
+          <p:cNvPr id="5" name="Tijdelijke aanduiding voor voettekst 4">
+            <a:extLst>
+              <a:ext uri="{FF2B5EF4-FFF2-40B4-BE49-F238E27FC236}">
+                <a16:creationId xmlns:a16="http://schemas.microsoft.com/office/drawing/2014/main" id="{69658629-6A16-5CF0-12C5-F388C9253B71}"/>
+              </a:ext>
+            </a:extLst>
+          </p:cNvPr>
+          <p:cNvSpPr>
+            <a:spLocks noGrp="1"/>
+          </p:cNvSpPr>
+          <p:nvPr>
+            <p:ph type="ftr" sz="quarter" idx="11"/>
+          </p:nvPr>
+        </p:nvSpPr>
+        <p:spPr/>
+        <p:txBody>
+          <a:bodyPr/>
           <a:lstStyle/>
           <a:p>
             <a:pPr rtl="0"/>
             <a:r>
-              <a:rPr lang="fr-FR" b="1" dirty="0" err="1"/>
-              <a:t>Uitlijning</a:t>
-            </a:r>
-            <a:r>
-              <a:rPr lang="fr-FR" b="1" dirty="0"/>
-              <a:t> van code </a:t>
-            </a:r>
-          </a:p>
-        </p:txBody>
-      </p:sp>
-      <p:sp>
-        <p:nvSpPr>
-          <p:cNvPr id="4" name="Espace réservé du texte 3">
-            <a:extLst>
-              <a:ext uri="{FF2B5EF4-FFF2-40B4-BE49-F238E27FC236}">
-                <a16:creationId xmlns:a16="http://schemas.microsoft.com/office/drawing/2014/main" id="{AC1C80FB-53F9-42EE-B1E6-D0F998EC5DFA}"/>
-              </a:ext>
-            </a:extLst>
-          </p:cNvPr>
-          <p:cNvSpPr>
-            <a:spLocks noGrp="1"/>
-          </p:cNvSpPr>
-          <p:nvPr>
-            <p:ph type="body" sz="quarter" idx="15"/>
-          </p:nvPr>
-        </p:nvSpPr>
-        <p:spPr>
-          <a:xfrm>
-            <a:off x="5919254" y="1980133"/>
-            <a:ext cx="5431971" cy="557950"/>
-          </a:xfrm>
-        </p:spPr>
-        <p:txBody>
-          <a:bodyPr rtlCol="0">
-            <a:normAutofit/>
-          </a:bodyPr>
-          <a:lstStyle/>
-          <a:p>
-            <a:pPr rtl="0"/>
-            <a:r>
-              <a:rPr lang="fr-FR" b="1" dirty="0"/>
-              <a:t>Tab en </a:t>
-            </a:r>
-            <a:r>
-              <a:rPr lang="fr-FR" b="1" dirty="0" err="1"/>
-              <a:t>spaties</a:t>
-            </a:r>
-            <a:endParaRPr lang="fr-FR" b="1" dirty="0"/>
-          </a:p>
-        </p:txBody>
-      </p:sp>
-      <p:sp>
-        <p:nvSpPr>
-          <p:cNvPr id="5" name="Espace réservé du texte 4">
-            <a:extLst>
-              <a:ext uri="{FF2B5EF4-FFF2-40B4-BE49-F238E27FC236}">
-                <a16:creationId xmlns:a16="http://schemas.microsoft.com/office/drawing/2014/main" id="{E81BA2B5-6A90-4204-ABDD-7183FBB03A02}"/>
-              </a:ext>
-            </a:extLst>
-          </p:cNvPr>
-          <p:cNvSpPr>
-            <a:spLocks noGrp="1"/>
-          </p:cNvSpPr>
-          <p:nvPr>
-            <p:ph type="body" sz="quarter" idx="23"/>
-          </p:nvPr>
-        </p:nvSpPr>
-        <p:spPr>
-          <a:xfrm>
-            <a:off x="5919680" y="2750504"/>
-            <a:ext cx="5433204" cy="365125"/>
-          </a:xfrm>
-        </p:spPr>
-        <p:txBody>
-          <a:bodyPr rtlCol="0">
-            <a:normAutofit lnSpcReduction="10000"/>
-          </a:bodyPr>
-          <a:lstStyle/>
-          <a:p>
-            <a:pPr rtl="0"/>
-            <a:r>
-              <a:rPr lang="fr-FR" dirty="0" err="1"/>
-              <a:t>Stijlen</a:t>
-            </a:r>
-            <a:r>
-              <a:rPr lang="fr-FR" dirty="0"/>
-              <a:t> van de </a:t>
-            </a:r>
-            <a:r>
-              <a:rPr lang="fr-FR" dirty="0" err="1"/>
-              <a:t>vensters</a:t>
-            </a:r>
-            <a:endParaRPr lang="fr-FR" dirty="0"/>
-          </a:p>
-        </p:txBody>
-      </p:sp>
-      <p:sp>
-        <p:nvSpPr>
-          <p:cNvPr id="6" name="Espace réservé du texte 5">
-            <a:extLst>
-              <a:ext uri="{FF2B5EF4-FFF2-40B4-BE49-F238E27FC236}">
-                <a16:creationId xmlns:a16="http://schemas.microsoft.com/office/drawing/2014/main" id="{7E7D4C34-22A0-4D54-A07D-E1E9A11463E5}"/>
-              </a:ext>
-            </a:extLst>
-          </p:cNvPr>
-          <p:cNvSpPr>
-            <a:spLocks noGrp="1"/>
-          </p:cNvSpPr>
-          <p:nvPr>
-            <p:ph type="body" sz="quarter" idx="24"/>
-          </p:nvPr>
-        </p:nvSpPr>
-        <p:spPr>
-          <a:xfrm>
-            <a:off x="5919254" y="3079929"/>
-            <a:ext cx="5431971" cy="557950"/>
-          </a:xfrm>
-        </p:spPr>
-        <p:txBody>
-          <a:bodyPr rtlCol="0"/>
-          <a:lstStyle/>
-          <a:p>
-            <a:pPr rtl="0"/>
-            <a:r>
-              <a:rPr lang="fr-FR" dirty="0" err="1"/>
-              <a:t>Veel</a:t>
-            </a:r>
-            <a:r>
-              <a:rPr lang="fr-FR" dirty="0"/>
-              <a:t> code, </a:t>
-            </a:r>
-            <a:r>
-              <a:rPr lang="fr-FR" dirty="0" err="1"/>
-              <a:t>weinig</a:t>
-            </a:r>
-            <a:r>
-              <a:rPr lang="fr-FR" dirty="0"/>
-              <a:t> </a:t>
-            </a:r>
-            <a:r>
-              <a:rPr lang="fr-FR" dirty="0" err="1"/>
-              <a:t>verandering</a:t>
-            </a:r>
-            <a:r>
-              <a:rPr lang="fr-FR" dirty="0"/>
-              <a:t> </a:t>
-            </a:r>
-          </a:p>
-        </p:txBody>
-      </p:sp>
-      <p:sp>
-        <p:nvSpPr>
-          <p:cNvPr id="20" name="Espace réservé de la date 19">
-            <a:extLst>
-              <a:ext uri="{FF2B5EF4-FFF2-40B4-BE49-F238E27FC236}">
-                <a16:creationId xmlns:a16="http://schemas.microsoft.com/office/drawing/2014/main" id="{A74D661B-510C-4CF2-BF77-3EAFB649883D}"/>
-              </a:ext>
-            </a:extLst>
-          </p:cNvPr>
-          <p:cNvSpPr>
-            <a:spLocks noGrp="1"/>
-          </p:cNvSpPr>
-          <p:nvPr>
-            <p:ph type="dt" sz="half" idx="20"/>
-          </p:nvPr>
-        </p:nvSpPr>
-        <p:spPr>
-          <a:xfrm>
-            <a:off x="5919680" y="6356350"/>
-            <a:ext cx="947516" cy="365125"/>
-          </a:xfrm>
-        </p:spPr>
-        <p:txBody>
-          <a:bodyPr rtlCol="0"/>
-          <a:lstStyle/>
-          <a:p>
-            <a:pPr rtl="0"/>
-            <a:r>
-              <a:rPr lang="fr-FR" dirty="0"/>
-              <a:t>2024</a:t>
-            </a:r>
-          </a:p>
-        </p:txBody>
-      </p:sp>
-      <p:sp>
-        <p:nvSpPr>
-          <p:cNvPr id="21" name="Espace réservé du pied de page 20">
-            <a:extLst>
-              <a:ext uri="{FF2B5EF4-FFF2-40B4-BE49-F238E27FC236}">
-                <a16:creationId xmlns:a16="http://schemas.microsoft.com/office/drawing/2014/main" id="{7E44CAC0-3B5A-49F6-A2CB-0BC80D111A87}"/>
-              </a:ext>
-            </a:extLst>
-          </p:cNvPr>
-          <p:cNvSpPr>
-            <a:spLocks noGrp="1"/>
-          </p:cNvSpPr>
-          <p:nvPr>
-            <p:ph type="ftr" sz="quarter" idx="21"/>
-          </p:nvPr>
-        </p:nvSpPr>
-        <p:spPr>
-          <a:xfrm>
-            <a:off x="7161955" y="6356350"/>
-            <a:ext cx="3243942" cy="365125"/>
-          </a:xfrm>
-        </p:spPr>
-        <p:txBody>
-          <a:bodyPr rtlCol="0"/>
-          <a:lstStyle/>
-          <a:p>
-            <a:pPr rtl="0"/>
-            <a:r>
               <a:rPr lang="fr-FR" noProof="0" dirty="0"/>
-              <a:t>Checkers  - </a:t>
-            </a:r>
-            <a:r>
-              <a:rPr lang="fr-FR" noProof="0" dirty="0" err="1"/>
-              <a:t>Ghsyens</a:t>
-            </a:r>
-            <a:r>
-              <a:rPr lang="fr-FR" noProof="0" dirty="0"/>
-              <a:t> Jari</a:t>
-            </a:r>
-          </a:p>
-        </p:txBody>
-      </p:sp>
-      <p:sp>
-        <p:nvSpPr>
-          <p:cNvPr id="22" name="Espace réservé du numéro de diapositive 21">
-            <a:extLst>
-              <a:ext uri="{FF2B5EF4-FFF2-40B4-BE49-F238E27FC236}">
-                <a16:creationId xmlns:a16="http://schemas.microsoft.com/office/drawing/2014/main" id="{5D1BD041-3428-4D62-934F-F3FF6D36F90F}"/>
-              </a:ext>
-            </a:extLst>
-          </p:cNvPr>
-          <p:cNvSpPr>
-            <a:spLocks noGrp="1"/>
-          </p:cNvSpPr>
-          <p:nvPr>
-            <p:ph type="sldNum" sz="quarter" idx="22"/>
-          </p:nvPr>
-        </p:nvSpPr>
-        <p:spPr>
-          <a:xfrm>
-            <a:off x="10700656" y="6356350"/>
-            <a:ext cx="653143" cy="365125"/>
-          </a:xfrm>
-        </p:spPr>
-        <p:txBody>
-          <a:bodyPr rtlCol="0"/>
+              <a:t>Checkers  - Ghysens Jari</a:t>
+            </a:r>
+          </a:p>
+        </p:txBody>
+      </p:sp>
+      <p:sp>
+        <p:nvSpPr>
+          <p:cNvPr id="6" name="Tijdelijke aanduiding voor dianummer 5">
+            <a:extLst>
+              <a:ext uri="{FF2B5EF4-FFF2-40B4-BE49-F238E27FC236}">
+                <a16:creationId xmlns:a16="http://schemas.microsoft.com/office/drawing/2014/main" id="{30CF8588-44FD-3101-0ED5-12D3E363BCF1}"/>
+              </a:ext>
+            </a:extLst>
+          </p:cNvPr>
+          <p:cNvSpPr>
+            <a:spLocks noGrp="1"/>
+          </p:cNvSpPr>
+          <p:nvPr>
+            <p:ph type="sldNum" sz="quarter" idx="12"/>
+          </p:nvPr>
+        </p:nvSpPr>
+        <p:spPr/>
+        <p:txBody>
+          <a:bodyPr/>
           <a:lstStyle/>
           <a:p>
             <a:pPr rtl="0"/>
             <a:fld id="{B5CEABB6-07DC-46E8-9B57-56EC44A396E5}" type="slidenum">
-              <a:rPr lang="fr-FR" smtClean="0"/>
-              <a:pPr rtl="0"/>
+              <a:rPr lang="fr-FR" noProof="0" smtClean="0"/>
               <a:t>7</a:t>
             </a:fld>
-            <a:endParaRPr lang="fr-FR"/>
-          </a:p>
-        </p:txBody>
-      </p:sp>
-      <p:sp>
-        <p:nvSpPr>
-          <p:cNvPr id="9" name="Espace réservé du texte 6">
-            <a:extLst>
-              <a:ext uri="{FF2B5EF4-FFF2-40B4-BE49-F238E27FC236}">
-                <a16:creationId xmlns:a16="http://schemas.microsoft.com/office/drawing/2014/main" id="{A434E393-F033-4F97-6F32-16039D266D86}"/>
-              </a:ext>
-            </a:extLst>
-          </p:cNvPr>
-          <p:cNvSpPr txBox="1">
-            <a:spLocks/>
-          </p:cNvSpPr>
+            <a:endParaRPr lang="fr-FR" noProof="0"/>
+          </a:p>
+        </p:txBody>
+      </p:sp>
+      <p:pic>
+        <p:nvPicPr>
+          <p:cNvPr id="8" name="Afbeelding 7">
+            <a:extLst>
+              <a:ext uri="{FF2B5EF4-FFF2-40B4-BE49-F238E27FC236}">
+                <a16:creationId xmlns:a16="http://schemas.microsoft.com/office/drawing/2014/main" id="{D227CA9C-29B5-1412-554F-56B0AC957F19}"/>
+              </a:ext>
+            </a:extLst>
+          </p:cNvPr>
+          <p:cNvPicPr>
+            <a:picLocks noChangeAspect="1"/>
+          </p:cNvPicPr>
           <p:nvPr/>
-        </p:nvSpPr>
-        <p:spPr>
-          <a:xfrm>
-            <a:off x="5918021" y="4842168"/>
-            <a:ext cx="5433204" cy="365125"/>
+        </p:nvPicPr>
+        <p:blipFill>
+          <a:blip r:embed="rId2"/>
+          <a:stretch>
+            <a:fillRect/>
+          </a:stretch>
+        </p:blipFill>
+        <p:spPr>
+          <a:xfrm>
+            <a:off x="1205567" y="1079632"/>
+            <a:ext cx="4165928" cy="4316942"/>
           </a:xfrm>
           <a:prstGeom prst="rect">
             <a:avLst/>
           </a:prstGeom>
         </p:spPr>
-        <p:txBody>
-          <a:bodyPr vert="horz" lIns="91440" tIns="45720" rIns="91440" bIns="45720" rtlCol="0">
-            <a:normAutofit lnSpcReduction="10000"/>
-          </a:bodyPr>
-          <a:lstStyle>
-            <a:lvl1pPr marL="0" indent="0" algn="l" defTabSz="914400" rtl="0" eaLnBrk="1" latinLnBrk="0" hangingPunct="1">
-              <a:lnSpc>
-                <a:spcPct val="90000"/>
-              </a:lnSpc>
-              <a:spcBef>
-                <a:spcPts val="1000"/>
-              </a:spcBef>
-              <a:buFont typeface="Arial" panose="020B0604020202020204" pitchFamily="34" charset="0"/>
-              <a:buNone/>
-              <a:defRPr lang="en-US" sz="2000" kern="1200" spc="150" baseline="0" dirty="0">
-                <a:solidFill>
-                  <a:schemeClr val="tx1"/>
-                </a:solidFill>
-                <a:latin typeface="+mj-lt"/>
-                <a:ea typeface="+mj-ea"/>
-                <a:cs typeface="+mj-cs"/>
-              </a:defRPr>
-            </a:lvl1pPr>
-            <a:lvl2pPr marL="685800" indent="-228600" algn="l" defTabSz="914400" rtl="0" eaLnBrk="1" latinLnBrk="0" hangingPunct="1">
-              <a:lnSpc>
-                <a:spcPct val="90000"/>
-              </a:lnSpc>
-              <a:spcBef>
-                <a:spcPts val="500"/>
-              </a:spcBef>
-              <a:buFont typeface="Arial" panose="020B0604020202020204" pitchFamily="34" charset="0"/>
-              <a:buChar char="•"/>
-              <a:defRPr sz="2400" kern="1200">
-                <a:solidFill>
-                  <a:schemeClr val="tx1"/>
-                </a:solidFill>
-                <a:latin typeface="+mn-lt"/>
-                <a:ea typeface="+mn-ea"/>
-                <a:cs typeface="+mn-cs"/>
-              </a:defRPr>
-            </a:lvl2pPr>
-            <a:lvl3pPr marL="1143000" indent="-228600" algn="l" defTabSz="914400" rtl="0" eaLnBrk="1" latinLnBrk="0" hangingPunct="1">
-              <a:lnSpc>
-                <a:spcPct val="90000"/>
-              </a:lnSpc>
-              <a:spcBef>
-                <a:spcPts val="500"/>
-              </a:spcBef>
-              <a:buFont typeface="Arial" panose="020B0604020202020204" pitchFamily="34" charset="0"/>
-              <a:buChar char="•"/>
-              <a:defRPr sz="2000" kern="1200">
-                <a:solidFill>
-                  <a:schemeClr val="tx1"/>
-                </a:solidFill>
-                <a:latin typeface="+mn-lt"/>
-                <a:ea typeface="+mn-ea"/>
-                <a:cs typeface="+mn-cs"/>
-              </a:defRPr>
-            </a:lvl3pPr>
-            <a:lvl4pPr marL="1600200" indent="-228600" algn="l" defTabSz="914400" rtl="0" eaLnBrk="1" latinLnBrk="0" hangingPunct="1">
-              <a:lnSpc>
-                <a:spcPct val="90000"/>
-              </a:lnSpc>
-              <a:spcBef>
-                <a:spcPts val="500"/>
-              </a:spcBef>
-              <a:buFont typeface="Arial" panose="020B0604020202020204" pitchFamily="34" charset="0"/>
-              <a:buChar char="•"/>
-              <a:defRPr sz="1800" kern="1200">
-                <a:solidFill>
-                  <a:schemeClr val="tx1"/>
-                </a:solidFill>
-                <a:latin typeface="+mn-lt"/>
-                <a:ea typeface="+mn-ea"/>
-                <a:cs typeface="+mn-cs"/>
-              </a:defRPr>
-            </a:lvl4pPr>
-            <a:lvl5pPr marL="2057400" indent="-228600" algn="l" defTabSz="914400" rtl="0" eaLnBrk="1" latinLnBrk="0" hangingPunct="1">
-              <a:lnSpc>
-                <a:spcPct val="90000"/>
-              </a:lnSpc>
-              <a:spcBef>
-                <a:spcPts val="500"/>
-              </a:spcBef>
-              <a:buFont typeface="Arial" panose="020B0604020202020204" pitchFamily="34" charset="0"/>
-              <a:buChar char="•"/>
-              <a:defRPr sz="1800" kern="1200">
-                <a:solidFill>
-                  <a:schemeClr val="tx1"/>
-                </a:solidFill>
-                <a:latin typeface="+mn-lt"/>
-                <a:ea typeface="+mn-ea"/>
-                <a:cs typeface="+mn-cs"/>
-              </a:defRPr>
-            </a:lvl5pPr>
-            <a:lvl6pPr marL="2514600" indent="-228600" algn="l" defTabSz="914400" rtl="0" eaLnBrk="1" latinLnBrk="0" hangingPunct="1">
-              <a:lnSpc>
-                <a:spcPct val="90000"/>
-              </a:lnSpc>
-              <a:spcBef>
-                <a:spcPts val="500"/>
-              </a:spcBef>
-              <a:buFont typeface="Arial" panose="020B0604020202020204" pitchFamily="34" charset="0"/>
-              <a:buChar char="•"/>
-              <a:defRPr sz="1800" kern="1200">
-                <a:solidFill>
-                  <a:schemeClr val="tx1"/>
-                </a:solidFill>
-                <a:latin typeface="+mn-lt"/>
-                <a:ea typeface="+mn-ea"/>
-                <a:cs typeface="+mn-cs"/>
-              </a:defRPr>
-            </a:lvl6pPr>
-            <a:lvl7pPr marL="2971800" indent="-228600" algn="l" defTabSz="914400" rtl="0" eaLnBrk="1" latinLnBrk="0" hangingPunct="1">
-              <a:lnSpc>
-                <a:spcPct val="90000"/>
-              </a:lnSpc>
-              <a:spcBef>
-                <a:spcPts val="500"/>
-              </a:spcBef>
-              <a:buFont typeface="Arial" panose="020B0604020202020204" pitchFamily="34" charset="0"/>
-              <a:buChar char="•"/>
-              <a:defRPr sz="1800" kern="1200">
-                <a:solidFill>
-                  <a:schemeClr val="tx1"/>
-                </a:solidFill>
-                <a:latin typeface="+mn-lt"/>
-                <a:ea typeface="+mn-ea"/>
-                <a:cs typeface="+mn-cs"/>
-              </a:defRPr>
-            </a:lvl7pPr>
-            <a:lvl8pPr marL="3429000" indent="-228600" algn="l" defTabSz="914400" rtl="0" eaLnBrk="1" latinLnBrk="0" hangingPunct="1">
-              <a:lnSpc>
-                <a:spcPct val="90000"/>
-              </a:lnSpc>
-              <a:spcBef>
-                <a:spcPts val="500"/>
-              </a:spcBef>
-              <a:buFont typeface="Arial" panose="020B0604020202020204" pitchFamily="34" charset="0"/>
-              <a:buChar char="•"/>
-              <a:defRPr sz="1800" kern="1200">
-                <a:solidFill>
-                  <a:schemeClr val="tx1"/>
-                </a:solidFill>
-                <a:latin typeface="+mn-lt"/>
-                <a:ea typeface="+mn-ea"/>
-                <a:cs typeface="+mn-cs"/>
-              </a:defRPr>
-            </a:lvl8pPr>
-            <a:lvl9pPr marL="3886200" indent="-228600" algn="l" defTabSz="914400" rtl="0" eaLnBrk="1" latinLnBrk="0" hangingPunct="1">
-              <a:lnSpc>
-                <a:spcPct val="90000"/>
-              </a:lnSpc>
-              <a:spcBef>
-                <a:spcPts val="500"/>
-              </a:spcBef>
-              <a:buFont typeface="Arial" panose="020B0604020202020204" pitchFamily="34" charset="0"/>
-              <a:buChar char="•"/>
-              <a:defRPr sz="1800" kern="1200">
-                <a:solidFill>
-                  <a:schemeClr val="tx1"/>
-                </a:solidFill>
-                <a:latin typeface="+mn-lt"/>
-                <a:ea typeface="+mn-ea"/>
-                <a:cs typeface="+mn-cs"/>
-              </a:defRPr>
-            </a:lvl9pPr>
-          </a:lstStyle>
-          <a:p>
-            <a:endParaRPr lang="fr-FR" dirty="0"/>
-          </a:p>
-        </p:txBody>
-      </p:sp>
-      <p:sp>
-        <p:nvSpPr>
-          <p:cNvPr id="10" name="Espace réservé du texte 7">
-            <a:extLst>
-              <a:ext uri="{FF2B5EF4-FFF2-40B4-BE49-F238E27FC236}">
-                <a16:creationId xmlns:a16="http://schemas.microsoft.com/office/drawing/2014/main" id="{3E03FA3F-B691-72C2-C004-F4388BE21412}"/>
-              </a:ext>
-            </a:extLst>
-          </p:cNvPr>
-          <p:cNvSpPr txBox="1">
-            <a:spLocks/>
-          </p:cNvSpPr>
+      </p:pic>
+      <p:pic>
+        <p:nvPicPr>
+          <p:cNvPr id="12" name="Afbeelding 11">
+            <a:extLst>
+              <a:ext uri="{FF2B5EF4-FFF2-40B4-BE49-F238E27FC236}">
+                <a16:creationId xmlns:a16="http://schemas.microsoft.com/office/drawing/2014/main" id="{9105B15C-9642-FCF6-D8D1-731A05E0EFBF}"/>
+              </a:ext>
+            </a:extLst>
+          </p:cNvPr>
+          <p:cNvPicPr>
+            <a:picLocks noChangeAspect="1"/>
+          </p:cNvPicPr>
           <p:nvPr/>
-        </p:nvSpPr>
-        <p:spPr>
-          <a:xfrm>
-            <a:off x="5917595" y="5171593"/>
-            <a:ext cx="5431971" cy="557950"/>
+        </p:nvPicPr>
+        <p:blipFill>
+          <a:blip r:embed="rId3"/>
+          <a:stretch>
+            <a:fillRect/>
+          </a:stretch>
+        </p:blipFill>
+        <p:spPr>
+          <a:xfrm>
+            <a:off x="6377866" y="1079632"/>
+            <a:ext cx="4165929" cy="4332983"/>
           </a:xfrm>
           <a:prstGeom prst="rect">
             <a:avLst/>
           </a:prstGeom>
         </p:spPr>
-        <p:txBody>
-          <a:bodyPr vert="horz" lIns="91440" tIns="45720" rIns="91440" bIns="45720" rtlCol="0">
-            <a:normAutofit/>
-          </a:bodyPr>
-          <a:lstStyle>
-            <a:lvl1pPr marL="0" indent="0" algn="l" defTabSz="914400" rtl="0" eaLnBrk="1" latinLnBrk="0" hangingPunct="1">
-              <a:lnSpc>
-                <a:spcPct val="100000"/>
-              </a:lnSpc>
-              <a:spcBef>
-                <a:spcPts val="1000"/>
-              </a:spcBef>
-              <a:buFont typeface="Arial" panose="020B0604020202020204" pitchFamily="34" charset="0"/>
-              <a:buNone/>
-              <a:defRPr sz="1400" kern="1200">
-                <a:solidFill>
-                  <a:schemeClr val="tx1"/>
-                </a:solidFill>
-                <a:latin typeface="+mn-lt"/>
-                <a:ea typeface="+mn-ea"/>
-                <a:cs typeface="+mn-cs"/>
-              </a:defRPr>
-            </a:lvl1pPr>
-            <a:lvl2pPr marL="685800" indent="-228600" algn="l" defTabSz="914400" rtl="0" eaLnBrk="1" latinLnBrk="0" hangingPunct="1">
-              <a:lnSpc>
-                <a:spcPct val="90000"/>
-              </a:lnSpc>
-              <a:spcBef>
-                <a:spcPts val="500"/>
-              </a:spcBef>
-              <a:buFont typeface="Arial" panose="020B0604020202020204" pitchFamily="34" charset="0"/>
-              <a:buChar char="•"/>
-              <a:defRPr sz="2400" kern="1200">
-                <a:solidFill>
-                  <a:schemeClr val="tx1"/>
-                </a:solidFill>
-                <a:latin typeface="+mn-lt"/>
-                <a:ea typeface="+mn-ea"/>
-                <a:cs typeface="+mn-cs"/>
-              </a:defRPr>
-            </a:lvl2pPr>
-            <a:lvl3pPr marL="1143000" indent="-228600" algn="l" defTabSz="914400" rtl="0" eaLnBrk="1" latinLnBrk="0" hangingPunct="1">
-              <a:lnSpc>
-                <a:spcPct val="90000"/>
-              </a:lnSpc>
-              <a:spcBef>
-                <a:spcPts val="500"/>
-              </a:spcBef>
-              <a:buFont typeface="Arial" panose="020B0604020202020204" pitchFamily="34" charset="0"/>
-              <a:buChar char="•"/>
-              <a:defRPr sz="2000" kern="1200">
-                <a:solidFill>
-                  <a:schemeClr val="tx1"/>
-                </a:solidFill>
-                <a:latin typeface="+mn-lt"/>
-                <a:ea typeface="+mn-ea"/>
-                <a:cs typeface="+mn-cs"/>
-              </a:defRPr>
-            </a:lvl3pPr>
-            <a:lvl4pPr marL="1600200" indent="-228600" algn="l" defTabSz="914400" rtl="0" eaLnBrk="1" latinLnBrk="0" hangingPunct="1">
-              <a:lnSpc>
-                <a:spcPct val="90000"/>
-              </a:lnSpc>
-              <a:spcBef>
-                <a:spcPts val="500"/>
-              </a:spcBef>
-              <a:buFont typeface="Arial" panose="020B0604020202020204" pitchFamily="34" charset="0"/>
-              <a:buChar char="•"/>
-              <a:defRPr sz="1800" kern="1200">
-                <a:solidFill>
-                  <a:schemeClr val="tx1"/>
-                </a:solidFill>
-                <a:latin typeface="+mn-lt"/>
-                <a:ea typeface="+mn-ea"/>
-                <a:cs typeface="+mn-cs"/>
-              </a:defRPr>
-            </a:lvl4pPr>
-            <a:lvl5pPr marL="2057400" indent="-228600" algn="l" defTabSz="914400" rtl="0" eaLnBrk="1" latinLnBrk="0" hangingPunct="1">
-              <a:lnSpc>
-                <a:spcPct val="90000"/>
-              </a:lnSpc>
-              <a:spcBef>
-                <a:spcPts val="500"/>
-              </a:spcBef>
-              <a:buFont typeface="Arial" panose="020B0604020202020204" pitchFamily="34" charset="0"/>
-              <a:buChar char="•"/>
-              <a:defRPr sz="1800" kern="1200">
-                <a:solidFill>
-                  <a:schemeClr val="tx1"/>
-                </a:solidFill>
-                <a:latin typeface="+mn-lt"/>
-                <a:ea typeface="+mn-ea"/>
-                <a:cs typeface="+mn-cs"/>
-              </a:defRPr>
-            </a:lvl5pPr>
-            <a:lvl6pPr marL="2514600" indent="-228600" algn="l" defTabSz="914400" rtl="0" eaLnBrk="1" latinLnBrk="0" hangingPunct="1">
-              <a:lnSpc>
-                <a:spcPct val="90000"/>
-              </a:lnSpc>
-              <a:spcBef>
-                <a:spcPts val="500"/>
-              </a:spcBef>
-              <a:buFont typeface="Arial" panose="020B0604020202020204" pitchFamily="34" charset="0"/>
-              <a:buChar char="•"/>
-              <a:defRPr sz="1800" kern="1200">
-                <a:solidFill>
-                  <a:schemeClr val="tx1"/>
-                </a:solidFill>
-                <a:latin typeface="+mn-lt"/>
-                <a:ea typeface="+mn-ea"/>
-                <a:cs typeface="+mn-cs"/>
-              </a:defRPr>
-            </a:lvl6pPr>
-            <a:lvl7pPr marL="2971800" indent="-228600" algn="l" defTabSz="914400" rtl="0" eaLnBrk="1" latinLnBrk="0" hangingPunct="1">
-              <a:lnSpc>
-                <a:spcPct val="90000"/>
-              </a:lnSpc>
-              <a:spcBef>
-                <a:spcPts val="500"/>
-              </a:spcBef>
-              <a:buFont typeface="Arial" panose="020B0604020202020204" pitchFamily="34" charset="0"/>
-              <a:buChar char="•"/>
-              <a:defRPr sz="1800" kern="1200">
-                <a:solidFill>
-                  <a:schemeClr val="tx1"/>
-                </a:solidFill>
-                <a:latin typeface="+mn-lt"/>
-                <a:ea typeface="+mn-ea"/>
-                <a:cs typeface="+mn-cs"/>
-              </a:defRPr>
-            </a:lvl7pPr>
-            <a:lvl8pPr marL="3429000" indent="-228600" algn="l" defTabSz="914400" rtl="0" eaLnBrk="1" latinLnBrk="0" hangingPunct="1">
-              <a:lnSpc>
-                <a:spcPct val="90000"/>
-              </a:lnSpc>
-              <a:spcBef>
-                <a:spcPts val="500"/>
-              </a:spcBef>
-              <a:buFont typeface="Arial" panose="020B0604020202020204" pitchFamily="34" charset="0"/>
-              <a:buChar char="•"/>
-              <a:defRPr sz="1800" kern="1200">
-                <a:solidFill>
-                  <a:schemeClr val="tx1"/>
-                </a:solidFill>
-                <a:latin typeface="+mn-lt"/>
-                <a:ea typeface="+mn-ea"/>
-                <a:cs typeface="+mn-cs"/>
-              </a:defRPr>
-            </a:lvl8pPr>
-            <a:lvl9pPr marL="3886200" indent="-228600" algn="l" defTabSz="914400" rtl="0" eaLnBrk="1" latinLnBrk="0" hangingPunct="1">
-              <a:lnSpc>
-                <a:spcPct val="90000"/>
-              </a:lnSpc>
-              <a:spcBef>
-                <a:spcPts val="500"/>
-              </a:spcBef>
-              <a:buFont typeface="Arial" panose="020B0604020202020204" pitchFamily="34" charset="0"/>
-              <a:buChar char="•"/>
-              <a:defRPr sz="1800" kern="1200">
-                <a:solidFill>
-                  <a:schemeClr val="tx1"/>
-                </a:solidFill>
-                <a:latin typeface="+mn-lt"/>
-                <a:ea typeface="+mn-ea"/>
-                <a:cs typeface="+mn-cs"/>
-              </a:defRPr>
-            </a:lvl9pPr>
-          </a:lstStyle>
-          <a:p>
-            <a:endParaRPr lang="fr-FR" dirty="0"/>
-          </a:p>
-        </p:txBody>
-      </p:sp>
+      </p:pic>
     </p:spTree>
     <p:extLst>
       <p:ext uri="{BB962C8B-B14F-4D97-AF65-F5344CB8AC3E}">
-        <p14:creationId xmlns:p14="http://schemas.microsoft.com/office/powerpoint/2010/main" val="1844941827"/>
+        <p14:creationId xmlns:p14="http://schemas.microsoft.com/office/powerpoint/2010/main" val="2501501688"/>
       </p:ext>
     </p:extLst>
   </p:cSld>
@@ -20262,7 +19983,7 @@
           <p:cNvPr id="2" name="Titre 1">
             <a:extLst>
               <a:ext uri="{FF2B5EF4-FFF2-40B4-BE49-F238E27FC236}">
-                <a16:creationId xmlns:a16="http://schemas.microsoft.com/office/drawing/2014/main" id="{8A4E0A63-A388-49B1-A04E-27CE9BD622EF}"/>
+                <a16:creationId xmlns:a16="http://schemas.microsoft.com/office/drawing/2014/main" id="{75031FE9-9059-4FE8-B4AC-9771F23A1B89}"/>
               </a:ext>
             </a:extLst>
           </p:cNvPr>
@@ -20275,8 +19996,8 @@
         </p:nvSpPr>
         <p:spPr>
           <a:xfrm>
-            <a:off x="5921828" y="868099"/>
-            <a:ext cx="5431971" cy="846301"/>
+            <a:off x="1508760" y="4156405"/>
+            <a:ext cx="3139440" cy="1325563"/>
           </a:xfrm>
         </p:spPr>
         <p:txBody>
@@ -20286,21 +20007,198 @@
             <a:pPr rtl="0"/>
             <a:r>
               <a:rPr lang="fr-FR" dirty="0" err="1"/>
+              <a:t>Moeilijkheden</a:t>
+            </a:r>
+            <a:endParaRPr lang="fr-FR" dirty="0"/>
+          </a:p>
+        </p:txBody>
+      </p:sp>
+      <p:sp>
+        <p:nvSpPr>
+          <p:cNvPr id="3" name="Espace réservé du contenu 2">
+            <a:extLst>
+              <a:ext uri="{FF2B5EF4-FFF2-40B4-BE49-F238E27FC236}">
+                <a16:creationId xmlns:a16="http://schemas.microsoft.com/office/drawing/2014/main" id="{D4A2EB3F-4D60-451F-8F45-7D6654D2FCD9}"/>
+              </a:ext>
+            </a:extLst>
+          </p:cNvPr>
+          <p:cNvSpPr>
+            <a:spLocks noGrp="1"/>
+          </p:cNvSpPr>
+          <p:nvPr>
+            <p:ph type="body" sz="quarter" idx="13"/>
+          </p:nvPr>
+        </p:nvSpPr>
+        <p:spPr>
+          <a:xfrm>
+            <a:off x="5919680" y="1650708"/>
+            <a:ext cx="5433204" cy="365125"/>
+          </a:xfrm>
+        </p:spPr>
+        <p:txBody>
+          <a:bodyPr vert="horz" lIns="91440" tIns="45720" rIns="91440" bIns="45720" rtlCol="0" anchor="t">
+            <a:normAutofit lnSpcReduction="10000"/>
+          </a:bodyPr>
+          <a:lstStyle/>
+          <a:p>
+            <a:pPr rtl="0"/>
+            <a:r>
+              <a:rPr lang="fr-FR" b="1" dirty="0" err="1"/>
               <a:t>Uitlijning</a:t>
             </a:r>
             <a:r>
+              <a:rPr lang="fr-FR" b="1" dirty="0"/>
+              <a:t> van code </a:t>
+            </a:r>
+          </a:p>
+        </p:txBody>
+      </p:sp>
+      <p:sp>
+        <p:nvSpPr>
+          <p:cNvPr id="4" name="Espace réservé du texte 3">
+            <a:extLst>
+              <a:ext uri="{FF2B5EF4-FFF2-40B4-BE49-F238E27FC236}">
+                <a16:creationId xmlns:a16="http://schemas.microsoft.com/office/drawing/2014/main" id="{AC1C80FB-53F9-42EE-B1E6-D0F998EC5DFA}"/>
+              </a:ext>
+            </a:extLst>
+          </p:cNvPr>
+          <p:cNvSpPr>
+            <a:spLocks noGrp="1"/>
+          </p:cNvSpPr>
+          <p:nvPr>
+            <p:ph type="body" sz="quarter" idx="15"/>
+          </p:nvPr>
+        </p:nvSpPr>
+        <p:spPr>
+          <a:xfrm>
+            <a:off x="5919254" y="1980133"/>
+            <a:ext cx="5431971" cy="557950"/>
+          </a:xfrm>
+        </p:spPr>
+        <p:txBody>
+          <a:bodyPr rtlCol="0">
+            <a:normAutofit/>
+          </a:bodyPr>
+          <a:lstStyle/>
+          <a:p>
+            <a:pPr rtl="0"/>
+            <a:r>
+              <a:rPr lang="fr-FR" b="1" dirty="0"/>
+              <a:t>Tab en </a:t>
+            </a:r>
+            <a:r>
+              <a:rPr lang="fr-FR" b="1" dirty="0" err="1"/>
+              <a:t>spaties</a:t>
+            </a:r>
+            <a:endParaRPr lang="fr-FR" b="1" dirty="0"/>
+          </a:p>
+        </p:txBody>
+      </p:sp>
+      <p:sp>
+        <p:nvSpPr>
+          <p:cNvPr id="5" name="Espace réservé du texte 4">
+            <a:extLst>
+              <a:ext uri="{FF2B5EF4-FFF2-40B4-BE49-F238E27FC236}">
+                <a16:creationId xmlns:a16="http://schemas.microsoft.com/office/drawing/2014/main" id="{E81BA2B5-6A90-4204-ABDD-7183FBB03A02}"/>
+              </a:ext>
+            </a:extLst>
+          </p:cNvPr>
+          <p:cNvSpPr>
+            <a:spLocks noGrp="1"/>
+          </p:cNvSpPr>
+          <p:nvPr>
+            <p:ph type="body" sz="quarter" idx="23"/>
+          </p:nvPr>
+        </p:nvSpPr>
+        <p:spPr>
+          <a:xfrm>
+            <a:off x="5919680" y="2750504"/>
+            <a:ext cx="5433204" cy="365125"/>
+          </a:xfrm>
+        </p:spPr>
+        <p:txBody>
+          <a:bodyPr rtlCol="0">
+            <a:normAutofit lnSpcReduction="10000"/>
+          </a:bodyPr>
+          <a:lstStyle/>
+          <a:p>
+            <a:pPr rtl="0"/>
+            <a:r>
+              <a:rPr lang="fr-FR" dirty="0" err="1"/>
+              <a:t>Stijlen</a:t>
+            </a:r>
+            <a:r>
               <a:rPr lang="fr-FR" dirty="0"/>
-              <a:t> van code</a:t>
-            </a:r>
-          </a:p>
-        </p:txBody>
-      </p:sp>
-      <p:sp>
-        <p:nvSpPr>
-          <p:cNvPr id="32" name="Espace réservé de la date 31">
-            <a:extLst>
-              <a:ext uri="{FF2B5EF4-FFF2-40B4-BE49-F238E27FC236}">
-                <a16:creationId xmlns:a16="http://schemas.microsoft.com/office/drawing/2014/main" id="{D5DB19F8-B538-4965-BA90-ED372B99F5DC}"/>
+              <a:t> van de </a:t>
+            </a:r>
+            <a:r>
+              <a:rPr lang="fr-FR" dirty="0" err="1"/>
+              <a:t>vensters</a:t>
+            </a:r>
+            <a:endParaRPr lang="fr-FR" dirty="0"/>
+          </a:p>
+        </p:txBody>
+      </p:sp>
+      <p:sp>
+        <p:nvSpPr>
+          <p:cNvPr id="6" name="Espace réservé du texte 5">
+            <a:extLst>
+              <a:ext uri="{FF2B5EF4-FFF2-40B4-BE49-F238E27FC236}">
+                <a16:creationId xmlns:a16="http://schemas.microsoft.com/office/drawing/2014/main" id="{7E7D4C34-22A0-4D54-A07D-E1E9A11463E5}"/>
+              </a:ext>
+            </a:extLst>
+          </p:cNvPr>
+          <p:cNvSpPr>
+            <a:spLocks noGrp="1"/>
+          </p:cNvSpPr>
+          <p:nvPr>
+            <p:ph type="body" sz="quarter" idx="24"/>
+          </p:nvPr>
+        </p:nvSpPr>
+        <p:spPr>
+          <a:xfrm>
+            <a:off x="5919254" y="3079929"/>
+            <a:ext cx="5431971" cy="557950"/>
+          </a:xfrm>
+        </p:spPr>
+        <p:txBody>
+          <a:bodyPr rtlCol="0"/>
+          <a:lstStyle/>
+          <a:p>
+            <a:pPr rtl="0"/>
+            <a:r>
+              <a:rPr lang="fr-FR" dirty="0" err="1"/>
+              <a:t>Veel</a:t>
+            </a:r>
+            <a:r>
+              <a:rPr lang="fr-FR" dirty="0"/>
+              <a:t> code, </a:t>
+            </a:r>
+            <a:r>
+              <a:rPr lang="fr-FR" dirty="0" err="1"/>
+              <a:t>weinig</a:t>
+            </a:r>
+            <a:r>
+              <a:rPr lang="fr-FR" dirty="0"/>
+              <a:t> </a:t>
+            </a:r>
+            <a:r>
+              <a:rPr lang="fr-FR" dirty="0" err="1"/>
+              <a:t>verandering</a:t>
+            </a:r>
+            <a:r>
+              <a:rPr lang="fr-FR" dirty="0"/>
+              <a:t> </a:t>
+            </a:r>
+          </a:p>
+        </p:txBody>
+      </p:sp>
+      <p:sp>
+        <p:nvSpPr>
+          <p:cNvPr id="20" name="Espace réservé de la date 19">
+            <a:extLst>
+              <a:ext uri="{FF2B5EF4-FFF2-40B4-BE49-F238E27FC236}">
+                <a16:creationId xmlns:a16="http://schemas.microsoft.com/office/drawing/2014/main" id="{A74D661B-510C-4CF2-BF77-3EAFB649883D}"/>
               </a:ext>
             </a:extLst>
           </p:cNvPr>
@@ -20331,10 +20229,10 @@
       </p:sp>
       <p:sp>
         <p:nvSpPr>
-          <p:cNvPr id="3" name="Espace réservé du pied de page 2">
-            <a:extLst>
-              <a:ext uri="{FF2B5EF4-FFF2-40B4-BE49-F238E27FC236}">
-                <a16:creationId xmlns:a16="http://schemas.microsoft.com/office/drawing/2014/main" id="{005C44B1-BA82-483C-BD91-F89067442F9E}"/>
+          <p:cNvPr id="21" name="Espace réservé du pied de page 20">
+            <a:extLst>
+              <a:ext uri="{FF2B5EF4-FFF2-40B4-BE49-F238E27FC236}">
+                <a16:creationId xmlns:a16="http://schemas.microsoft.com/office/drawing/2014/main" id="{7E44CAC0-3B5A-49F6-A2CB-0BC80D111A87}"/>
               </a:ext>
             </a:extLst>
           </p:cNvPr>
@@ -20358,25 +20256,17 @@
             <a:pPr rtl="0"/>
             <a:r>
               <a:rPr lang="fr-FR" noProof="0" dirty="0"/>
-              <a:t>Checkers  - </a:t>
-            </a:r>
-            <a:r>
-              <a:rPr lang="fr-FR" noProof="0" dirty="0" err="1"/>
-              <a:t>Ghsyens</a:t>
-            </a:r>
-            <a:r>
-              <a:rPr lang="fr-FR" noProof="0" dirty="0"/>
-              <a:t> Jari</a:t>
-            </a:r>
-          </a:p>
-        </p:txBody>
-      </p:sp>
-      <p:sp>
-        <p:nvSpPr>
-          <p:cNvPr id="4" name="Espace réservé du numéro de diapositive 3">
-            <a:extLst>
-              <a:ext uri="{FF2B5EF4-FFF2-40B4-BE49-F238E27FC236}">
-                <a16:creationId xmlns:a16="http://schemas.microsoft.com/office/drawing/2014/main" id="{79ED4A67-3A46-4F54-A12A-EAE1B53E6457}"/>
+              <a:t>Checkers  - Ghysens Jari</a:t>
+            </a:r>
+          </a:p>
+        </p:txBody>
+      </p:sp>
+      <p:sp>
+        <p:nvSpPr>
+          <p:cNvPr id="22" name="Espace réservé du numéro de diapositive 21">
+            <a:extLst>
+              <a:ext uri="{FF2B5EF4-FFF2-40B4-BE49-F238E27FC236}">
+                <a16:creationId xmlns:a16="http://schemas.microsoft.com/office/drawing/2014/main" id="{5D1BD041-3428-4D62-934F-F3FF6D36F90F}"/>
               </a:ext>
             </a:extLst>
           </p:cNvPr>
@@ -20398,140 +20288,411 @@
           <a:lstStyle/>
           <a:p>
             <a:pPr rtl="0"/>
-            <a:fld id="{19B51A1E-902D-48AF-9020-955120F399B6}" type="slidenum">
+            <a:fld id="{B5CEABB6-07DC-46E8-9B57-56EC44A396E5}" type="slidenum">
               <a:rPr lang="fr-FR" smtClean="0"/>
               <a:pPr rtl="0"/>
               <a:t>8</a:t>
             </a:fld>
-            <a:endParaRPr lang="fr-FR" dirty="0"/>
-          </a:p>
-        </p:txBody>
-      </p:sp>
-      <p:sp>
-        <p:nvSpPr>
-          <p:cNvPr id="5" name="Ovaal 4">
-            <a:extLst>
-              <a:ext uri="{FF2B5EF4-FFF2-40B4-BE49-F238E27FC236}">
-                <a16:creationId xmlns:a16="http://schemas.microsoft.com/office/drawing/2014/main" id="{8EF9F66D-9688-CA86-7431-7EBA80AD277A}"/>
-              </a:ext>
-            </a:extLst>
-          </p:cNvPr>
-          <p:cNvSpPr/>
+            <a:endParaRPr lang="fr-FR"/>
+          </a:p>
+        </p:txBody>
+      </p:sp>
+      <p:sp>
+        <p:nvSpPr>
+          <p:cNvPr id="9" name="Espace réservé du texte 6">
+            <a:extLst>
+              <a:ext uri="{FF2B5EF4-FFF2-40B4-BE49-F238E27FC236}">
+                <a16:creationId xmlns:a16="http://schemas.microsoft.com/office/drawing/2014/main" id="{A434E393-F033-4F97-6F32-16039D266D86}"/>
+              </a:ext>
+            </a:extLst>
+          </p:cNvPr>
+          <p:cNvSpPr txBox="1">
+            <a:spLocks/>
+          </p:cNvSpPr>
           <p:nvPr/>
         </p:nvSpPr>
         <p:spPr>
           <a:xfrm>
-            <a:off x="5567778" y="3059207"/>
-            <a:ext cx="1056443" cy="1083076"/>
-          </a:xfrm>
-          <a:prstGeom prst="ellipse">
-            <a:avLst/>
-          </a:prstGeom>
-          <a:solidFill>
-            <a:schemeClr val="bg1"/>
-          </a:solidFill>
-          <a:ln>
-            <a:solidFill>
-              <a:schemeClr val="bg1"/>
-            </a:solidFill>
-          </a:ln>
-        </p:spPr>
-        <p:style>
-          <a:lnRef idx="2">
-            <a:schemeClr val="accent1">
-              <a:shade val="15000"/>
-            </a:schemeClr>
-          </a:lnRef>
-          <a:fillRef idx="1">
-            <a:schemeClr val="accent1"/>
-          </a:fillRef>
-          <a:effectRef idx="0">
-            <a:schemeClr val="accent1"/>
-          </a:effectRef>
-          <a:fontRef idx="minor">
-            <a:schemeClr val="lt1"/>
-          </a:fontRef>
-        </p:style>
-        <p:txBody>
-          <a:bodyPr rtlCol="0" anchor="ctr"/>
-          <a:lstStyle/>
-          <a:p>
-            <a:pPr algn="ctr"/>
-            <a:r>
-              <a:rPr lang="nl-BE" sz="2400" b="1" dirty="0">
-                <a:solidFill>
-                  <a:schemeClr val="tx1"/>
-                </a:solidFill>
-              </a:rPr>
-              <a:t>VS</a:t>
-            </a:r>
-          </a:p>
-        </p:txBody>
-      </p:sp>
-      <p:pic>
-        <p:nvPicPr>
-          <p:cNvPr id="7" name="Afbeelding 6">
-            <a:extLst>
-              <a:ext uri="{FF2B5EF4-FFF2-40B4-BE49-F238E27FC236}">
-                <a16:creationId xmlns:a16="http://schemas.microsoft.com/office/drawing/2014/main" id="{5B19AD08-5FBA-C477-FDBC-5C5EC2488602}"/>
-              </a:ext>
-            </a:extLst>
-          </p:cNvPr>
-          <p:cNvPicPr>
-            <a:picLocks noChangeAspect="1"/>
-          </p:cNvPicPr>
-          <p:nvPr/>
-        </p:nvPicPr>
-        <p:blipFill>
-          <a:blip r:embed="rId3"/>
-          <a:stretch>
-            <a:fillRect/>
-          </a:stretch>
-        </p:blipFill>
-        <p:spPr>
-          <a:xfrm>
-            <a:off x="6464060" y="2627781"/>
-            <a:ext cx="4639732" cy="1945928"/>
+            <a:off x="5918021" y="4842168"/>
+            <a:ext cx="5433204" cy="365125"/>
           </a:xfrm>
           <a:prstGeom prst="rect">
             <a:avLst/>
           </a:prstGeom>
         </p:spPr>
-      </p:pic>
-      <p:pic>
-        <p:nvPicPr>
-          <p:cNvPr id="9" name="Afbeelding 8">
-            <a:extLst>
-              <a:ext uri="{FF2B5EF4-FFF2-40B4-BE49-F238E27FC236}">
-                <a16:creationId xmlns:a16="http://schemas.microsoft.com/office/drawing/2014/main" id="{BCDB2456-721F-4D15-DF4C-7D4D1620D62F}"/>
-              </a:ext>
-            </a:extLst>
-          </p:cNvPr>
-          <p:cNvPicPr>
-            <a:picLocks noChangeAspect="1"/>
-          </p:cNvPicPr>
+        <p:txBody>
+          <a:bodyPr vert="horz" lIns="91440" tIns="45720" rIns="91440" bIns="45720" rtlCol="0">
+            <a:normAutofit lnSpcReduction="10000"/>
+          </a:bodyPr>
+          <a:lstStyle>
+            <a:lvl1pPr marL="0" indent="0" algn="l" defTabSz="914400" rtl="0" eaLnBrk="1" latinLnBrk="0" hangingPunct="1">
+              <a:lnSpc>
+                <a:spcPct val="90000"/>
+              </a:lnSpc>
+              <a:spcBef>
+                <a:spcPts val="1000"/>
+              </a:spcBef>
+              <a:buFont typeface="Arial" panose="020B0604020202020204" pitchFamily="34" charset="0"/>
+              <a:buNone/>
+              <a:defRPr lang="en-US" sz="2000" kern="1200" spc="150" baseline="0" dirty="0">
+                <a:solidFill>
+                  <a:schemeClr val="tx1"/>
+                </a:solidFill>
+                <a:latin typeface="+mj-lt"/>
+                <a:ea typeface="+mj-ea"/>
+                <a:cs typeface="+mj-cs"/>
+              </a:defRPr>
+            </a:lvl1pPr>
+            <a:lvl2pPr marL="685800" indent="-228600" algn="l" defTabSz="914400" rtl="0" eaLnBrk="1" latinLnBrk="0" hangingPunct="1">
+              <a:lnSpc>
+                <a:spcPct val="90000"/>
+              </a:lnSpc>
+              <a:spcBef>
+                <a:spcPts val="500"/>
+              </a:spcBef>
+              <a:buFont typeface="Arial" panose="020B0604020202020204" pitchFamily="34" charset="0"/>
+              <a:buChar char="•"/>
+              <a:defRPr sz="2400" kern="1200">
+                <a:solidFill>
+                  <a:schemeClr val="tx1"/>
+                </a:solidFill>
+                <a:latin typeface="+mn-lt"/>
+                <a:ea typeface="+mn-ea"/>
+                <a:cs typeface="+mn-cs"/>
+              </a:defRPr>
+            </a:lvl2pPr>
+            <a:lvl3pPr marL="1143000" indent="-228600" algn="l" defTabSz="914400" rtl="0" eaLnBrk="1" latinLnBrk="0" hangingPunct="1">
+              <a:lnSpc>
+                <a:spcPct val="90000"/>
+              </a:lnSpc>
+              <a:spcBef>
+                <a:spcPts val="500"/>
+              </a:spcBef>
+              <a:buFont typeface="Arial" panose="020B0604020202020204" pitchFamily="34" charset="0"/>
+              <a:buChar char="•"/>
+              <a:defRPr sz="2000" kern="1200">
+                <a:solidFill>
+                  <a:schemeClr val="tx1"/>
+                </a:solidFill>
+                <a:latin typeface="+mn-lt"/>
+                <a:ea typeface="+mn-ea"/>
+                <a:cs typeface="+mn-cs"/>
+              </a:defRPr>
+            </a:lvl3pPr>
+            <a:lvl4pPr marL="1600200" indent="-228600" algn="l" defTabSz="914400" rtl="0" eaLnBrk="1" latinLnBrk="0" hangingPunct="1">
+              <a:lnSpc>
+                <a:spcPct val="90000"/>
+              </a:lnSpc>
+              <a:spcBef>
+                <a:spcPts val="500"/>
+              </a:spcBef>
+              <a:buFont typeface="Arial" panose="020B0604020202020204" pitchFamily="34" charset="0"/>
+              <a:buChar char="•"/>
+              <a:defRPr sz="1800" kern="1200">
+                <a:solidFill>
+                  <a:schemeClr val="tx1"/>
+                </a:solidFill>
+                <a:latin typeface="+mn-lt"/>
+                <a:ea typeface="+mn-ea"/>
+                <a:cs typeface="+mn-cs"/>
+              </a:defRPr>
+            </a:lvl4pPr>
+            <a:lvl5pPr marL="2057400" indent="-228600" algn="l" defTabSz="914400" rtl="0" eaLnBrk="1" latinLnBrk="0" hangingPunct="1">
+              <a:lnSpc>
+                <a:spcPct val="90000"/>
+              </a:lnSpc>
+              <a:spcBef>
+                <a:spcPts val="500"/>
+              </a:spcBef>
+              <a:buFont typeface="Arial" panose="020B0604020202020204" pitchFamily="34" charset="0"/>
+              <a:buChar char="•"/>
+              <a:defRPr sz="1800" kern="1200">
+                <a:solidFill>
+                  <a:schemeClr val="tx1"/>
+                </a:solidFill>
+                <a:latin typeface="+mn-lt"/>
+                <a:ea typeface="+mn-ea"/>
+                <a:cs typeface="+mn-cs"/>
+              </a:defRPr>
+            </a:lvl5pPr>
+            <a:lvl6pPr marL="2514600" indent="-228600" algn="l" defTabSz="914400" rtl="0" eaLnBrk="1" latinLnBrk="0" hangingPunct="1">
+              <a:lnSpc>
+                <a:spcPct val="90000"/>
+              </a:lnSpc>
+              <a:spcBef>
+                <a:spcPts val="500"/>
+              </a:spcBef>
+              <a:buFont typeface="Arial" panose="020B0604020202020204" pitchFamily="34" charset="0"/>
+              <a:buChar char="•"/>
+              <a:defRPr sz="1800" kern="1200">
+                <a:solidFill>
+                  <a:schemeClr val="tx1"/>
+                </a:solidFill>
+                <a:latin typeface="+mn-lt"/>
+                <a:ea typeface="+mn-ea"/>
+                <a:cs typeface="+mn-cs"/>
+              </a:defRPr>
+            </a:lvl6pPr>
+            <a:lvl7pPr marL="2971800" indent="-228600" algn="l" defTabSz="914400" rtl="0" eaLnBrk="1" latinLnBrk="0" hangingPunct="1">
+              <a:lnSpc>
+                <a:spcPct val="90000"/>
+              </a:lnSpc>
+              <a:spcBef>
+                <a:spcPts val="500"/>
+              </a:spcBef>
+              <a:buFont typeface="Arial" panose="020B0604020202020204" pitchFamily="34" charset="0"/>
+              <a:buChar char="•"/>
+              <a:defRPr sz="1800" kern="1200">
+                <a:solidFill>
+                  <a:schemeClr val="tx1"/>
+                </a:solidFill>
+                <a:latin typeface="+mn-lt"/>
+                <a:ea typeface="+mn-ea"/>
+                <a:cs typeface="+mn-cs"/>
+              </a:defRPr>
+            </a:lvl7pPr>
+            <a:lvl8pPr marL="3429000" indent="-228600" algn="l" defTabSz="914400" rtl="0" eaLnBrk="1" latinLnBrk="0" hangingPunct="1">
+              <a:lnSpc>
+                <a:spcPct val="90000"/>
+              </a:lnSpc>
+              <a:spcBef>
+                <a:spcPts val="500"/>
+              </a:spcBef>
+              <a:buFont typeface="Arial" panose="020B0604020202020204" pitchFamily="34" charset="0"/>
+              <a:buChar char="•"/>
+              <a:defRPr sz="1800" kern="1200">
+                <a:solidFill>
+                  <a:schemeClr val="tx1"/>
+                </a:solidFill>
+                <a:latin typeface="+mn-lt"/>
+                <a:ea typeface="+mn-ea"/>
+                <a:cs typeface="+mn-cs"/>
+              </a:defRPr>
+            </a:lvl8pPr>
+            <a:lvl9pPr marL="3886200" indent="-228600" algn="l" defTabSz="914400" rtl="0" eaLnBrk="1" latinLnBrk="0" hangingPunct="1">
+              <a:lnSpc>
+                <a:spcPct val="90000"/>
+              </a:lnSpc>
+              <a:spcBef>
+                <a:spcPts val="500"/>
+              </a:spcBef>
+              <a:buFont typeface="Arial" panose="020B0604020202020204" pitchFamily="34" charset="0"/>
+              <a:buChar char="•"/>
+              <a:defRPr sz="1800" kern="1200">
+                <a:solidFill>
+                  <a:schemeClr val="tx1"/>
+                </a:solidFill>
+                <a:latin typeface="+mn-lt"/>
+                <a:ea typeface="+mn-ea"/>
+                <a:cs typeface="+mn-cs"/>
+              </a:defRPr>
+            </a:lvl9pPr>
+          </a:lstStyle>
+          <a:p>
+            <a:endParaRPr lang="fr-FR" dirty="0"/>
+          </a:p>
+        </p:txBody>
+      </p:sp>
+      <p:sp>
+        <p:nvSpPr>
+          <p:cNvPr id="10" name="Espace réservé du texte 7">
+            <a:extLst>
+              <a:ext uri="{FF2B5EF4-FFF2-40B4-BE49-F238E27FC236}">
+                <a16:creationId xmlns:a16="http://schemas.microsoft.com/office/drawing/2014/main" id="{3E03FA3F-B691-72C2-C004-F4388BE21412}"/>
+              </a:ext>
+            </a:extLst>
+          </p:cNvPr>
+          <p:cNvSpPr txBox="1">
+            <a:spLocks/>
+          </p:cNvSpPr>
           <p:nvPr/>
-        </p:nvPicPr>
-        <p:blipFill>
-          <a:blip r:embed="rId4"/>
-          <a:stretch>
-            <a:fillRect/>
-          </a:stretch>
-        </p:blipFill>
-        <p:spPr>
-          <a:xfrm>
-            <a:off x="1088208" y="2630427"/>
-            <a:ext cx="4512733" cy="1943282"/>
+        </p:nvSpPr>
+        <p:spPr>
+          <a:xfrm>
+            <a:off x="5917595" y="5171593"/>
+            <a:ext cx="5431971" cy="557950"/>
           </a:xfrm>
           <a:prstGeom prst="rect">
             <a:avLst/>
           </a:prstGeom>
         </p:spPr>
-      </p:pic>
+        <p:txBody>
+          <a:bodyPr vert="horz" lIns="91440" tIns="45720" rIns="91440" bIns="45720" rtlCol="0">
+            <a:normAutofit/>
+          </a:bodyPr>
+          <a:lstStyle>
+            <a:lvl1pPr marL="0" indent="0" algn="l" defTabSz="914400" rtl="0" eaLnBrk="1" latinLnBrk="0" hangingPunct="1">
+              <a:lnSpc>
+                <a:spcPct val="100000"/>
+              </a:lnSpc>
+              <a:spcBef>
+                <a:spcPts val="1000"/>
+              </a:spcBef>
+              <a:buFont typeface="Arial" panose="020B0604020202020204" pitchFamily="34" charset="0"/>
+              <a:buNone/>
+              <a:defRPr sz="1400" kern="1200">
+                <a:solidFill>
+                  <a:schemeClr val="tx1"/>
+                </a:solidFill>
+                <a:latin typeface="+mn-lt"/>
+                <a:ea typeface="+mn-ea"/>
+                <a:cs typeface="+mn-cs"/>
+              </a:defRPr>
+            </a:lvl1pPr>
+            <a:lvl2pPr marL="685800" indent="-228600" algn="l" defTabSz="914400" rtl="0" eaLnBrk="1" latinLnBrk="0" hangingPunct="1">
+              <a:lnSpc>
+                <a:spcPct val="90000"/>
+              </a:lnSpc>
+              <a:spcBef>
+                <a:spcPts val="500"/>
+              </a:spcBef>
+              <a:buFont typeface="Arial" panose="020B0604020202020204" pitchFamily="34" charset="0"/>
+              <a:buChar char="•"/>
+              <a:defRPr sz="2400" kern="1200">
+                <a:solidFill>
+                  <a:schemeClr val="tx1"/>
+                </a:solidFill>
+                <a:latin typeface="+mn-lt"/>
+                <a:ea typeface="+mn-ea"/>
+                <a:cs typeface="+mn-cs"/>
+              </a:defRPr>
+            </a:lvl2pPr>
+            <a:lvl3pPr marL="1143000" indent="-228600" algn="l" defTabSz="914400" rtl="0" eaLnBrk="1" latinLnBrk="0" hangingPunct="1">
+              <a:lnSpc>
+                <a:spcPct val="90000"/>
+              </a:lnSpc>
+              <a:spcBef>
+                <a:spcPts val="500"/>
+              </a:spcBef>
+              <a:buFont typeface="Arial" panose="020B0604020202020204" pitchFamily="34" charset="0"/>
+              <a:buChar char="•"/>
+              <a:defRPr sz="2000" kern="1200">
+                <a:solidFill>
+                  <a:schemeClr val="tx1"/>
+                </a:solidFill>
+                <a:latin typeface="+mn-lt"/>
+                <a:ea typeface="+mn-ea"/>
+                <a:cs typeface="+mn-cs"/>
+              </a:defRPr>
+            </a:lvl3pPr>
+            <a:lvl4pPr marL="1600200" indent="-228600" algn="l" defTabSz="914400" rtl="0" eaLnBrk="1" latinLnBrk="0" hangingPunct="1">
+              <a:lnSpc>
+                <a:spcPct val="90000"/>
+              </a:lnSpc>
+              <a:spcBef>
+                <a:spcPts val="500"/>
+              </a:spcBef>
+              <a:buFont typeface="Arial" panose="020B0604020202020204" pitchFamily="34" charset="0"/>
+              <a:buChar char="•"/>
+              <a:defRPr sz="1800" kern="1200">
+                <a:solidFill>
+                  <a:schemeClr val="tx1"/>
+                </a:solidFill>
+                <a:latin typeface="+mn-lt"/>
+                <a:ea typeface="+mn-ea"/>
+                <a:cs typeface="+mn-cs"/>
+              </a:defRPr>
+            </a:lvl4pPr>
+            <a:lvl5pPr marL="2057400" indent="-228600" algn="l" defTabSz="914400" rtl="0" eaLnBrk="1" latinLnBrk="0" hangingPunct="1">
+              <a:lnSpc>
+                <a:spcPct val="90000"/>
+              </a:lnSpc>
+              <a:spcBef>
+                <a:spcPts val="500"/>
+              </a:spcBef>
+              <a:buFont typeface="Arial" panose="020B0604020202020204" pitchFamily="34" charset="0"/>
+              <a:buChar char="•"/>
+              <a:defRPr sz="1800" kern="1200">
+                <a:solidFill>
+                  <a:schemeClr val="tx1"/>
+                </a:solidFill>
+                <a:latin typeface="+mn-lt"/>
+                <a:ea typeface="+mn-ea"/>
+                <a:cs typeface="+mn-cs"/>
+              </a:defRPr>
+            </a:lvl5pPr>
+            <a:lvl6pPr marL="2514600" indent="-228600" algn="l" defTabSz="914400" rtl="0" eaLnBrk="1" latinLnBrk="0" hangingPunct="1">
+              <a:lnSpc>
+                <a:spcPct val="90000"/>
+              </a:lnSpc>
+              <a:spcBef>
+                <a:spcPts val="500"/>
+              </a:spcBef>
+              <a:buFont typeface="Arial" panose="020B0604020202020204" pitchFamily="34" charset="0"/>
+              <a:buChar char="•"/>
+              <a:defRPr sz="1800" kern="1200">
+                <a:solidFill>
+                  <a:schemeClr val="tx1"/>
+                </a:solidFill>
+                <a:latin typeface="+mn-lt"/>
+                <a:ea typeface="+mn-ea"/>
+                <a:cs typeface="+mn-cs"/>
+              </a:defRPr>
+            </a:lvl6pPr>
+            <a:lvl7pPr marL="2971800" indent="-228600" algn="l" defTabSz="914400" rtl="0" eaLnBrk="1" latinLnBrk="0" hangingPunct="1">
+              <a:lnSpc>
+                <a:spcPct val="90000"/>
+              </a:lnSpc>
+              <a:spcBef>
+                <a:spcPts val="500"/>
+              </a:spcBef>
+              <a:buFont typeface="Arial" panose="020B0604020202020204" pitchFamily="34" charset="0"/>
+              <a:buChar char="•"/>
+              <a:defRPr sz="1800" kern="1200">
+                <a:solidFill>
+                  <a:schemeClr val="tx1"/>
+                </a:solidFill>
+                <a:latin typeface="+mn-lt"/>
+                <a:ea typeface="+mn-ea"/>
+                <a:cs typeface="+mn-cs"/>
+              </a:defRPr>
+            </a:lvl7pPr>
+            <a:lvl8pPr marL="3429000" indent="-228600" algn="l" defTabSz="914400" rtl="0" eaLnBrk="1" latinLnBrk="0" hangingPunct="1">
+              <a:lnSpc>
+                <a:spcPct val="90000"/>
+              </a:lnSpc>
+              <a:spcBef>
+                <a:spcPts val="500"/>
+              </a:spcBef>
+              <a:buFont typeface="Arial" panose="020B0604020202020204" pitchFamily="34" charset="0"/>
+              <a:buChar char="•"/>
+              <a:defRPr sz="1800" kern="1200">
+                <a:solidFill>
+                  <a:schemeClr val="tx1"/>
+                </a:solidFill>
+                <a:latin typeface="+mn-lt"/>
+                <a:ea typeface="+mn-ea"/>
+                <a:cs typeface="+mn-cs"/>
+              </a:defRPr>
+            </a:lvl8pPr>
+            <a:lvl9pPr marL="3886200" indent="-228600" algn="l" defTabSz="914400" rtl="0" eaLnBrk="1" latinLnBrk="0" hangingPunct="1">
+              <a:lnSpc>
+                <a:spcPct val="90000"/>
+              </a:lnSpc>
+              <a:spcBef>
+                <a:spcPts val="500"/>
+              </a:spcBef>
+              <a:buFont typeface="Arial" panose="020B0604020202020204" pitchFamily="34" charset="0"/>
+              <a:buChar char="•"/>
+              <a:defRPr sz="1800" kern="1200">
+                <a:solidFill>
+                  <a:schemeClr val="tx1"/>
+                </a:solidFill>
+                <a:latin typeface="+mn-lt"/>
+                <a:ea typeface="+mn-ea"/>
+                <a:cs typeface="+mn-cs"/>
+              </a:defRPr>
+            </a:lvl9pPr>
+          </a:lstStyle>
+          <a:p>
+            <a:endParaRPr lang="fr-FR" dirty="0"/>
+          </a:p>
+        </p:txBody>
+      </p:sp>
     </p:spTree>
     <p:extLst>
       <p:ext uri="{BB962C8B-B14F-4D97-AF65-F5344CB8AC3E}">
-        <p14:creationId xmlns:p14="http://schemas.microsoft.com/office/powerpoint/2010/main" val="2069393026"/>
+        <p14:creationId xmlns:p14="http://schemas.microsoft.com/office/powerpoint/2010/main" val="1844941827"/>
       </p:ext>
     </p:extLst>
   </p:cSld>
@@ -20563,7 +20724,7 @@
           <p:cNvPr id="2" name="Titre 1">
             <a:extLst>
               <a:ext uri="{FF2B5EF4-FFF2-40B4-BE49-F238E27FC236}">
-                <a16:creationId xmlns:a16="http://schemas.microsoft.com/office/drawing/2014/main" id="{75031FE9-9059-4FE8-B4AC-9771F23A1B89}"/>
+                <a16:creationId xmlns:a16="http://schemas.microsoft.com/office/drawing/2014/main" id="{8A4E0A63-A388-49B1-A04E-27CE9BD622EF}"/>
               </a:ext>
             </a:extLst>
           </p:cNvPr>
@@ -20576,8 +20737,8 @@
         </p:nvSpPr>
         <p:spPr>
           <a:xfrm>
-            <a:off x="1508760" y="4156405"/>
-            <a:ext cx="3139440" cy="1325563"/>
+            <a:off x="5921828" y="868099"/>
+            <a:ext cx="5431971" cy="846301"/>
           </a:xfrm>
         </p:spPr>
         <p:txBody>
@@ -20587,158 +20748,35 @@
             <a:pPr rtl="0"/>
             <a:r>
               <a:rPr lang="fr-FR" dirty="0" err="1"/>
-              <a:t>Moeilijkheden</a:t>
-            </a:r>
-            <a:endParaRPr lang="fr-FR" dirty="0"/>
-          </a:p>
-        </p:txBody>
-      </p:sp>
-      <p:sp>
-        <p:nvSpPr>
-          <p:cNvPr id="3" name="Espace réservé du contenu 2">
-            <a:extLst>
-              <a:ext uri="{FF2B5EF4-FFF2-40B4-BE49-F238E27FC236}">
-                <a16:creationId xmlns:a16="http://schemas.microsoft.com/office/drawing/2014/main" id="{D4A2EB3F-4D60-451F-8F45-7D6654D2FCD9}"/>
-              </a:ext>
-            </a:extLst>
-          </p:cNvPr>
-          <p:cNvSpPr>
-            <a:spLocks noGrp="1"/>
-          </p:cNvSpPr>
-          <p:nvPr>
-            <p:ph type="body" sz="quarter" idx="13"/>
-          </p:nvPr>
-        </p:nvSpPr>
-        <p:spPr>
-          <a:xfrm>
-            <a:off x="5919680" y="1650708"/>
-            <a:ext cx="5433204" cy="365125"/>
-          </a:xfrm>
-        </p:spPr>
-        <p:txBody>
-          <a:bodyPr vert="horz" lIns="91440" tIns="45720" rIns="91440" bIns="45720" rtlCol="0" anchor="t">
-            <a:normAutofit lnSpcReduction="10000"/>
-          </a:bodyPr>
-          <a:lstStyle/>
-          <a:p>
-            <a:pPr rtl="0"/>
-            <a:r>
-              <a:rPr lang="fr-FR" dirty="0" err="1"/>
               <a:t>Uitlijning</a:t>
             </a:r>
             <a:r>
               <a:rPr lang="fr-FR" dirty="0"/>
-              <a:t> van code </a:t>
-            </a:r>
-          </a:p>
-        </p:txBody>
-      </p:sp>
-      <p:sp>
-        <p:nvSpPr>
-          <p:cNvPr id="4" name="Espace réservé du texte 3">
-            <a:extLst>
-              <a:ext uri="{FF2B5EF4-FFF2-40B4-BE49-F238E27FC236}">
-                <a16:creationId xmlns:a16="http://schemas.microsoft.com/office/drawing/2014/main" id="{AC1C80FB-53F9-42EE-B1E6-D0F998EC5DFA}"/>
-              </a:ext>
-            </a:extLst>
-          </p:cNvPr>
-          <p:cNvSpPr>
-            <a:spLocks noGrp="1"/>
-          </p:cNvSpPr>
-          <p:nvPr>
-            <p:ph type="body" sz="quarter" idx="15"/>
-          </p:nvPr>
-        </p:nvSpPr>
-        <p:spPr>
-          <a:xfrm>
-            <a:off x="5919254" y="1980133"/>
-            <a:ext cx="5431971" cy="557950"/>
-          </a:xfrm>
-        </p:spPr>
-        <p:txBody>
-          <a:bodyPr rtlCol="0">
-            <a:normAutofit/>
-          </a:bodyPr>
-          <a:lstStyle/>
-          <a:p>
-            <a:pPr rtl="0"/>
-            <a:r>
-              <a:rPr lang="fr-FR" dirty="0"/>
-              <a:t>Tab en </a:t>
-            </a:r>
-            <a:r>
-              <a:rPr lang="fr-FR" dirty="0" err="1"/>
-              <a:t>spaties</a:t>
-            </a:r>
-            <a:endParaRPr lang="fr-FR" dirty="0"/>
-          </a:p>
-        </p:txBody>
-      </p:sp>
-      <p:sp>
-        <p:nvSpPr>
-          <p:cNvPr id="5" name="Espace réservé du texte 4">
-            <a:extLst>
-              <a:ext uri="{FF2B5EF4-FFF2-40B4-BE49-F238E27FC236}">
-                <a16:creationId xmlns:a16="http://schemas.microsoft.com/office/drawing/2014/main" id="{E81BA2B5-6A90-4204-ABDD-7183FBB03A02}"/>
-              </a:ext>
-            </a:extLst>
-          </p:cNvPr>
-          <p:cNvSpPr>
-            <a:spLocks noGrp="1"/>
-          </p:cNvSpPr>
-          <p:nvPr>
-            <p:ph type="body" sz="quarter" idx="23"/>
-          </p:nvPr>
-        </p:nvSpPr>
-        <p:spPr>
-          <a:xfrm>
-            <a:off x="5919680" y="2750504"/>
-            <a:ext cx="5433204" cy="365125"/>
-          </a:xfrm>
-        </p:spPr>
-        <p:txBody>
-          <a:bodyPr rtlCol="0">
-            <a:normAutofit lnSpcReduction="10000"/>
-          </a:bodyPr>
-          <a:lstStyle/>
-          <a:p>
-            <a:pPr rtl="0"/>
-            <a:r>
-              <a:rPr lang="fr-FR" b="1" dirty="0" err="1"/>
-              <a:t>Stijlen</a:t>
-            </a:r>
-            <a:r>
-              <a:rPr lang="fr-FR" b="1" dirty="0"/>
-              <a:t> van de </a:t>
-            </a:r>
-            <a:r>
-              <a:rPr lang="fr-FR" b="1" dirty="0" err="1"/>
-              <a:t>vensters</a:t>
-            </a:r>
-            <a:endParaRPr lang="fr-FR" b="1" dirty="0"/>
-          </a:p>
-        </p:txBody>
-      </p:sp>
-      <p:sp>
-        <p:nvSpPr>
-          <p:cNvPr id="6" name="Espace réservé du texte 5">
-            <a:extLst>
-              <a:ext uri="{FF2B5EF4-FFF2-40B4-BE49-F238E27FC236}">
-                <a16:creationId xmlns:a16="http://schemas.microsoft.com/office/drawing/2014/main" id="{7E7D4C34-22A0-4D54-A07D-E1E9A11463E5}"/>
-              </a:ext>
-            </a:extLst>
-          </p:cNvPr>
-          <p:cNvSpPr>
-            <a:spLocks noGrp="1"/>
-          </p:cNvSpPr>
-          <p:nvPr>
-            <p:ph type="body" sz="quarter" idx="24"/>
-          </p:nvPr>
-        </p:nvSpPr>
-        <p:spPr>
-          <a:xfrm>
-            <a:off x="5919254" y="3079929"/>
-            <a:ext cx="5431971" cy="557950"/>
+              <a:t> van de code</a:t>
+            </a:r>
+          </a:p>
+        </p:txBody>
+      </p:sp>
+      <p:sp>
+        <p:nvSpPr>
+          <p:cNvPr id="32" name="Espace réservé de la date 31">
+            <a:extLst>
+              <a:ext uri="{FF2B5EF4-FFF2-40B4-BE49-F238E27FC236}">
+                <a16:creationId xmlns:a16="http://schemas.microsoft.com/office/drawing/2014/main" id="{D5DB19F8-B538-4965-BA90-ED372B99F5DC}"/>
+              </a:ext>
+            </a:extLst>
+          </p:cNvPr>
+          <p:cNvSpPr>
+            <a:spLocks noGrp="1"/>
+          </p:cNvSpPr>
+          <p:nvPr>
+            <p:ph type="dt" sz="half" idx="20"/>
+          </p:nvPr>
+        </p:nvSpPr>
+        <p:spPr>
+          <a:xfrm>
+            <a:off x="5919680" y="6356350"/>
+            <a:ext cx="947516" cy="365125"/>
           </a:xfrm>
         </p:spPr>
         <p:txBody>
@@ -20747,52 +20785,32 @@
           <a:p>
             <a:pPr rtl="0"/>
             <a:r>
-              <a:rPr lang="fr-FR" b="1" dirty="0" err="1"/>
-              <a:t>Veel</a:t>
-            </a:r>
-            <a:r>
-              <a:rPr lang="fr-FR" b="1" dirty="0"/>
-              <a:t> code, </a:t>
-            </a:r>
-            <a:r>
-              <a:rPr lang="fr-FR" b="1" dirty="0" err="1"/>
-              <a:t>weinig</a:t>
-            </a:r>
-            <a:r>
-              <a:rPr lang="fr-FR" b="1" dirty="0"/>
-              <a:t> </a:t>
-            </a:r>
-            <a:r>
-              <a:rPr lang="fr-FR" b="1" dirty="0" err="1"/>
-              <a:t>verandering</a:t>
-            </a:r>
-            <a:r>
-              <a:rPr lang="fr-FR" b="1" dirty="0"/>
-              <a:t> </a:t>
-            </a:r>
-          </a:p>
-        </p:txBody>
-      </p:sp>
-      <p:sp>
-        <p:nvSpPr>
-          <p:cNvPr id="20" name="Espace réservé de la date 19">
-            <a:extLst>
-              <a:ext uri="{FF2B5EF4-FFF2-40B4-BE49-F238E27FC236}">
-                <a16:creationId xmlns:a16="http://schemas.microsoft.com/office/drawing/2014/main" id="{A74D661B-510C-4CF2-BF77-3EAFB649883D}"/>
-              </a:ext>
-            </a:extLst>
-          </p:cNvPr>
-          <p:cNvSpPr>
-            <a:spLocks noGrp="1"/>
-          </p:cNvSpPr>
-          <p:nvPr>
-            <p:ph type="dt" sz="half" idx="20"/>
-          </p:nvPr>
-        </p:nvSpPr>
-        <p:spPr>
-          <a:xfrm>
-            <a:off x="5919680" y="6356350"/>
-            <a:ext cx="947516" cy="365125"/>
+              <a:rPr lang="fr-FR" dirty="0"/>
+              <a:t>2024</a:t>
+            </a:r>
+          </a:p>
+        </p:txBody>
+      </p:sp>
+      <p:sp>
+        <p:nvSpPr>
+          <p:cNvPr id="3" name="Espace réservé du pied de page 2">
+            <a:extLst>
+              <a:ext uri="{FF2B5EF4-FFF2-40B4-BE49-F238E27FC236}">
+                <a16:creationId xmlns:a16="http://schemas.microsoft.com/office/drawing/2014/main" id="{005C44B1-BA82-483C-BD91-F89067442F9E}"/>
+              </a:ext>
+            </a:extLst>
+          </p:cNvPr>
+          <p:cNvSpPr>
+            <a:spLocks noGrp="1"/>
+          </p:cNvSpPr>
+          <p:nvPr>
+            <p:ph type="ftr" sz="quarter" idx="21"/>
+          </p:nvPr>
+        </p:nvSpPr>
+        <p:spPr>
+          <a:xfrm>
+            <a:off x="7161955" y="6356350"/>
+            <a:ext cx="3243942" cy="365125"/>
           </a:xfrm>
         </p:spPr>
         <p:txBody>
@@ -20801,32 +20819,32 @@
           <a:p>
             <a:pPr rtl="0"/>
             <a:r>
-              <a:rPr lang="fr-FR" dirty="0"/>
-              <a:t>2024</a:t>
-            </a:r>
-          </a:p>
-        </p:txBody>
-      </p:sp>
-      <p:sp>
-        <p:nvSpPr>
-          <p:cNvPr id="21" name="Espace réservé du pied de page 20">
-            <a:extLst>
-              <a:ext uri="{FF2B5EF4-FFF2-40B4-BE49-F238E27FC236}">
-                <a16:creationId xmlns:a16="http://schemas.microsoft.com/office/drawing/2014/main" id="{7E44CAC0-3B5A-49F6-A2CB-0BC80D111A87}"/>
-              </a:ext>
-            </a:extLst>
-          </p:cNvPr>
-          <p:cNvSpPr>
-            <a:spLocks noGrp="1"/>
-          </p:cNvSpPr>
-          <p:nvPr>
-            <p:ph type="ftr" sz="quarter" idx="21"/>
-          </p:nvPr>
-        </p:nvSpPr>
-        <p:spPr>
-          <a:xfrm>
-            <a:off x="7161955" y="6356350"/>
-            <a:ext cx="3243942" cy="365125"/>
+              <a:rPr lang="fr-FR" noProof="0" dirty="0"/>
+              <a:t>Checkers  - Ghysens Jari</a:t>
+            </a:r>
+          </a:p>
+        </p:txBody>
+      </p:sp>
+      <p:sp>
+        <p:nvSpPr>
+          <p:cNvPr id="4" name="Espace réservé du numéro de diapositive 3">
+            <a:extLst>
+              <a:ext uri="{FF2B5EF4-FFF2-40B4-BE49-F238E27FC236}">
+                <a16:creationId xmlns:a16="http://schemas.microsoft.com/office/drawing/2014/main" id="{79ED4A67-3A46-4F54-A12A-EAE1B53E6457}"/>
+              </a:ext>
+            </a:extLst>
+          </p:cNvPr>
+          <p:cNvSpPr>
+            <a:spLocks noGrp="1"/>
+          </p:cNvSpPr>
+          <p:nvPr>
+            <p:ph type="sldNum" sz="quarter" idx="22"/>
+          </p:nvPr>
+        </p:nvSpPr>
+        <p:spPr>
+          <a:xfrm>
+            <a:off x="10700656" y="6356350"/>
+            <a:ext cx="653143" cy="365125"/>
           </a:xfrm>
         </p:spPr>
         <p:txBody>
@@ -20834,61 +20852,140 @@
           <a:lstStyle/>
           <a:p>
             <a:pPr rtl="0"/>
-            <a:r>
-              <a:rPr lang="fr-FR" noProof="0" dirty="0"/>
-              <a:t>Checkers  - </a:t>
-            </a:r>
-            <a:r>
-              <a:rPr lang="fr-FR" noProof="0" dirty="0" err="1"/>
-              <a:t>Ghsyens</a:t>
-            </a:r>
-            <a:r>
-              <a:rPr lang="fr-FR" noProof="0" dirty="0"/>
-              <a:t> Jari</a:t>
-            </a:r>
-          </a:p>
-        </p:txBody>
-      </p:sp>
-      <p:sp>
-        <p:nvSpPr>
-          <p:cNvPr id="22" name="Espace réservé du numéro de diapositive 21">
-            <a:extLst>
-              <a:ext uri="{FF2B5EF4-FFF2-40B4-BE49-F238E27FC236}">
-                <a16:creationId xmlns:a16="http://schemas.microsoft.com/office/drawing/2014/main" id="{5D1BD041-3428-4D62-934F-F3FF6D36F90F}"/>
-              </a:ext>
-            </a:extLst>
-          </p:cNvPr>
-          <p:cNvSpPr>
-            <a:spLocks noGrp="1"/>
-          </p:cNvSpPr>
-          <p:nvPr>
-            <p:ph type="sldNum" sz="quarter" idx="22"/>
-          </p:nvPr>
-        </p:nvSpPr>
-        <p:spPr>
-          <a:xfrm>
-            <a:off x="10700656" y="6356350"/>
-            <a:ext cx="653143" cy="365125"/>
-          </a:xfrm>
-        </p:spPr>
-        <p:txBody>
-          <a:bodyPr rtlCol="0"/>
-          <a:lstStyle/>
-          <a:p>
-            <a:pPr rtl="0"/>
-            <a:fld id="{B5CEABB6-07DC-46E8-9B57-56EC44A396E5}" type="slidenum">
+            <a:fld id="{19B51A1E-902D-48AF-9020-955120F399B6}" type="slidenum">
               <a:rPr lang="fr-FR" smtClean="0"/>
               <a:pPr rtl="0"/>
               <a:t>9</a:t>
             </a:fld>
-            <a:endParaRPr lang="fr-FR"/>
-          </a:p>
-        </p:txBody>
-      </p:sp>
+            <a:endParaRPr lang="fr-FR" dirty="0"/>
+          </a:p>
+        </p:txBody>
+      </p:sp>
+      <p:sp>
+        <p:nvSpPr>
+          <p:cNvPr id="5" name="Ovaal 4">
+            <a:extLst>
+              <a:ext uri="{FF2B5EF4-FFF2-40B4-BE49-F238E27FC236}">
+                <a16:creationId xmlns:a16="http://schemas.microsoft.com/office/drawing/2014/main" id="{8EF9F66D-9688-CA86-7431-7EBA80AD277A}"/>
+              </a:ext>
+            </a:extLst>
+          </p:cNvPr>
+          <p:cNvSpPr/>
+          <p:nvPr/>
+        </p:nvSpPr>
+        <p:spPr>
+          <a:xfrm>
+            <a:off x="5567778" y="3059207"/>
+            <a:ext cx="1056443" cy="1083076"/>
+          </a:xfrm>
+          <a:prstGeom prst="ellipse">
+            <a:avLst/>
+          </a:prstGeom>
+          <a:solidFill>
+            <a:schemeClr val="bg1"/>
+          </a:solidFill>
+          <a:ln>
+            <a:solidFill>
+              <a:schemeClr val="bg1"/>
+            </a:solidFill>
+          </a:ln>
+        </p:spPr>
+        <p:style>
+          <a:lnRef idx="2">
+            <a:schemeClr val="accent1">
+              <a:shade val="15000"/>
+            </a:schemeClr>
+          </a:lnRef>
+          <a:fillRef idx="1">
+            <a:schemeClr val="accent1"/>
+          </a:fillRef>
+          <a:effectRef idx="0">
+            <a:schemeClr val="accent1"/>
+          </a:effectRef>
+          <a:fontRef idx="minor">
+            <a:schemeClr val="lt1"/>
+          </a:fontRef>
+        </p:style>
+        <p:txBody>
+          <a:bodyPr rtlCol="0" anchor="ctr"/>
+          <a:lstStyle/>
+          <a:p>
+            <a:pPr algn="ctr"/>
+            <a:r>
+              <a:rPr lang="nl-BE" sz="2400" b="1" dirty="0">
+                <a:solidFill>
+                  <a:schemeClr val="tx1"/>
+                </a:solidFill>
+              </a:rPr>
+              <a:t>VS</a:t>
+            </a:r>
+          </a:p>
+        </p:txBody>
+      </p:sp>
+      <p:pic>
+        <p:nvPicPr>
+          <p:cNvPr id="7" name="Afbeelding 6">
+            <a:extLst>
+              <a:ext uri="{FF2B5EF4-FFF2-40B4-BE49-F238E27FC236}">
+                <a16:creationId xmlns:a16="http://schemas.microsoft.com/office/drawing/2014/main" id="{5B19AD08-5FBA-C477-FDBC-5C5EC2488602}"/>
+              </a:ext>
+            </a:extLst>
+          </p:cNvPr>
+          <p:cNvPicPr>
+            <a:picLocks noChangeAspect="1"/>
+          </p:cNvPicPr>
+          <p:nvPr/>
+        </p:nvPicPr>
+        <p:blipFill>
+          <a:blip r:embed="rId3"/>
+          <a:stretch>
+            <a:fillRect/>
+          </a:stretch>
+        </p:blipFill>
+        <p:spPr>
+          <a:xfrm>
+            <a:off x="6464060" y="2627781"/>
+            <a:ext cx="4639732" cy="1945928"/>
+          </a:xfrm>
+          <a:prstGeom prst="rect">
+            <a:avLst/>
+          </a:prstGeom>
+        </p:spPr>
+      </p:pic>
+      <p:pic>
+        <p:nvPicPr>
+          <p:cNvPr id="9" name="Afbeelding 8">
+            <a:extLst>
+              <a:ext uri="{FF2B5EF4-FFF2-40B4-BE49-F238E27FC236}">
+                <a16:creationId xmlns:a16="http://schemas.microsoft.com/office/drawing/2014/main" id="{BCDB2456-721F-4D15-DF4C-7D4D1620D62F}"/>
+              </a:ext>
+            </a:extLst>
+          </p:cNvPr>
+          <p:cNvPicPr>
+            <a:picLocks noChangeAspect="1"/>
+          </p:cNvPicPr>
+          <p:nvPr/>
+        </p:nvPicPr>
+        <p:blipFill>
+          <a:blip r:embed="rId4"/>
+          <a:stretch>
+            <a:fillRect/>
+          </a:stretch>
+        </p:blipFill>
+        <p:spPr>
+          <a:xfrm>
+            <a:off x="1088208" y="2630427"/>
+            <a:ext cx="4512733" cy="1943282"/>
+          </a:xfrm>
+          <a:prstGeom prst="rect">
+            <a:avLst/>
+          </a:prstGeom>
+        </p:spPr>
+      </p:pic>
     </p:spTree>
     <p:extLst>
       <p:ext uri="{BB962C8B-B14F-4D97-AF65-F5344CB8AC3E}">
-        <p14:creationId xmlns:p14="http://schemas.microsoft.com/office/powerpoint/2010/main" val="1121327810"/>
+        <p14:creationId xmlns:p14="http://schemas.microsoft.com/office/powerpoint/2010/main" val="2069393026"/>
       </p:ext>
     </p:extLst>
   </p:cSld>
@@ -21690,12 +21787,22 @@
 </file>
 
 <file path=customXml/item1.xml><?xml version="1.0" encoding="utf-8"?>
-<?mso-contentType ?>
-<FormTemplates xmlns="http://schemas.microsoft.com/sharepoint/v3/contenttype/forms">
-  <Display>DocumentLibraryForm</Display>
-  <Edit>DocumentLibraryForm</Edit>
-  <New>DocumentLibraryForm</New>
-</FormTemplates>
+<p:properties xmlns:p="http://schemas.microsoft.com/office/2006/metadata/properties" xmlns:xsi="http://www.w3.org/2001/XMLSchema-instance" xmlns:pc="http://schemas.microsoft.com/office/infopath/2007/PartnerControls">
+  <documentManagement>
+    <_ip_UnifiedCompliancePolicyUIAction xmlns="http://schemas.microsoft.com/sharepoint/v3" xsi:nil="true"/>
+    <Image xmlns="71af3243-3dd4-4a8d-8c0d-dd76da1f02a5">
+      <Url xsi:nil="true"/>
+      <Description xsi:nil="true"/>
+    </Image>
+    <Status xmlns="71af3243-3dd4-4a8d-8c0d-dd76da1f02a5">Not started</Status>
+    <_ip_UnifiedCompliancePolicyProperties xmlns="http://schemas.microsoft.com/sharepoint/v3" xsi:nil="true"/>
+    <ImageTagsTaxHTField xmlns="71af3243-3dd4-4a8d-8c0d-dd76da1f02a5">
+      <Terms xmlns="http://schemas.microsoft.com/office/infopath/2007/PartnerControls"/>
+    </ImageTagsTaxHTField>
+    <TaxCatchAll xmlns="230e9df3-be65-4c73-a93b-d1236ebd677e"/>
+    <MediaServiceKeyPoints xmlns="71af3243-3dd4-4a8d-8c0d-dd76da1f02a5" xsi:nil="true"/>
+  </documentManagement>
+</p:properties>
 </file>
 
 <file path=customXml/item2.xml><?xml version="1.0" encoding="utf-8"?>
@@ -21975,28 +22082,29 @@
 </file>
 
 <file path=customXml/item3.xml><?xml version="1.0" encoding="utf-8"?>
-<p:properties xmlns:p="http://schemas.microsoft.com/office/2006/metadata/properties" xmlns:xsi="http://www.w3.org/2001/XMLSchema-instance" xmlns:pc="http://schemas.microsoft.com/office/infopath/2007/PartnerControls">
-  <documentManagement>
-    <_ip_UnifiedCompliancePolicyUIAction xmlns="http://schemas.microsoft.com/sharepoint/v3" xsi:nil="true"/>
-    <Image xmlns="71af3243-3dd4-4a8d-8c0d-dd76da1f02a5">
-      <Url xsi:nil="true"/>
-      <Description xsi:nil="true"/>
-    </Image>
-    <Status xmlns="71af3243-3dd4-4a8d-8c0d-dd76da1f02a5">Not started</Status>
-    <_ip_UnifiedCompliancePolicyProperties xmlns="http://schemas.microsoft.com/sharepoint/v3" xsi:nil="true"/>
-    <ImageTagsTaxHTField xmlns="71af3243-3dd4-4a8d-8c0d-dd76da1f02a5">
-      <Terms xmlns="http://schemas.microsoft.com/office/infopath/2007/PartnerControls"/>
-    </ImageTagsTaxHTField>
-    <TaxCatchAll xmlns="230e9df3-be65-4c73-a93b-d1236ebd677e"/>
-    <MediaServiceKeyPoints xmlns="71af3243-3dd4-4a8d-8c0d-dd76da1f02a5" xsi:nil="true"/>
-  </documentManagement>
-</p:properties>
+<?mso-contentType ?>
+<FormTemplates xmlns="http://schemas.microsoft.com/sharepoint/v3/contenttype/forms">
+  <Display>DocumentLibraryForm</Display>
+  <Edit>DocumentLibraryForm</Edit>
+  <New>DocumentLibraryForm</New>
+</FormTemplates>
 </file>
 
 <file path=customXml/itemProps1.xml><?xml version="1.0" encoding="utf-8"?>
-<ds:datastoreItem xmlns:ds="http://schemas.openxmlformats.org/officeDocument/2006/customXml" ds:itemID="{2D446390-8521-40A2-A462-EA068123BED9}">
+<ds:datastoreItem xmlns:ds="http://schemas.openxmlformats.org/officeDocument/2006/customXml" ds:itemID="{B5BA3906-9696-4247-AC0D-DD5C26B2A70A}">
   <ds:schemaRefs>
-    <ds:schemaRef ds:uri="http://schemas.microsoft.com/sharepoint/v3/contenttype/forms"/>
+    <ds:schemaRef ds:uri="http://www.w3.org/XML/1998/namespace"/>
+    <ds:schemaRef ds:uri="71af3243-3dd4-4a8d-8c0d-dd76da1f02a5"/>
+    <ds:schemaRef ds:uri="16c05727-aa75-4e4a-9b5f-8a80a1165891"/>
+    <ds:schemaRef ds:uri="http://schemas.microsoft.com/office/2006/metadata/properties"/>
+    <ds:schemaRef ds:uri="http://purl.org/dc/dcmitype/"/>
+    <ds:schemaRef ds:uri="http://purl.org/dc/terms/"/>
+    <ds:schemaRef ds:uri="http://schemas.microsoft.com/office/2006/documentManagement/types"/>
+    <ds:schemaRef ds:uri="http://purl.org/dc/elements/1.1/"/>
+    <ds:schemaRef ds:uri="http://schemas.microsoft.com/sharepoint/v3"/>
+    <ds:schemaRef ds:uri="http://schemas.microsoft.com/office/infopath/2007/PartnerControls"/>
+    <ds:schemaRef ds:uri="http://schemas.openxmlformats.org/package/2006/metadata/core-properties"/>
+    <ds:schemaRef ds:uri="230e9df3-be65-4c73-a93b-d1236ebd677e"/>
   </ds:schemaRefs>
 </ds:datastoreItem>
 </file>
@@ -22023,20 +22131,9 @@
 </file>
 
 <file path=customXml/itemProps3.xml><?xml version="1.0" encoding="utf-8"?>
-<ds:datastoreItem xmlns:ds="http://schemas.openxmlformats.org/officeDocument/2006/customXml" ds:itemID="{B5BA3906-9696-4247-AC0D-DD5C26B2A70A}">
+<ds:datastoreItem xmlns:ds="http://schemas.openxmlformats.org/officeDocument/2006/customXml" ds:itemID="{2D446390-8521-40A2-A462-EA068123BED9}">
   <ds:schemaRefs>
-    <ds:schemaRef ds:uri="http://www.w3.org/XML/1998/namespace"/>
-    <ds:schemaRef ds:uri="http://schemas.microsoft.com/office/2006/metadata/properties"/>
-    <ds:schemaRef ds:uri="http://purl.org/dc/dcmitype/"/>
-    <ds:schemaRef ds:uri="http://schemas.openxmlformats.org/package/2006/metadata/core-properties"/>
-    <ds:schemaRef ds:uri="71af3243-3dd4-4a8d-8c0d-dd76da1f02a5"/>
-    <ds:schemaRef ds:uri="http://schemas.microsoft.com/office/2006/documentManagement/types"/>
-    <ds:schemaRef ds:uri="http://purl.org/dc/elements/1.1/"/>
-    <ds:schemaRef ds:uri="http://purl.org/dc/terms/"/>
-    <ds:schemaRef ds:uri="http://schemas.microsoft.com/office/infopath/2007/PartnerControls"/>
-    <ds:schemaRef ds:uri="230e9df3-be65-4c73-a93b-d1236ebd677e"/>
-    <ds:schemaRef ds:uri="16c05727-aa75-4e4a-9b5f-8a80a1165891"/>
-    <ds:schemaRef ds:uri="http://schemas.microsoft.com/sharepoint/v3"/>
+    <ds:schemaRef ds:uri="http://schemas.microsoft.com/sharepoint/v3/contenttype/forms"/>
   </ds:schemaRefs>
 </ds:datastoreItem>
 </file>
